--- a/adv_new/Module 07 - Subprocess .pptx
+++ b/adv_new/Module 07 - Subprocess .pptx
@@ -495,7 +495,7 @@
           <a:p>
             <a:fld id="{81043921-7569-41A3-B947-8944ED878C50}" type="datetimeFigureOut">
               <a:rPr lang="he-IL" smtClean="0"/>
-              <a:t>ד'/תמוז/תשפ"ג</a:t>
+              <a:t>כ'/תמוז/תשפ"ג</a:t>
             </a:fld>
             <a:endParaRPr lang="he-IL"/>
           </a:p>
@@ -2376,7 +2376,7 @@
           <a:p>
             <a:fld id="{A9D9B7D1-305C-49A9-9D59-000E5D30F1FD}" type="datetimeFigureOut">
               <a:rPr lang="he-IL" smtClean="0"/>
-              <a:t>ד'/תמוז/תשפ"ג</a:t>
+              <a:t>כ'/תמוז/תשפ"ג</a:t>
             </a:fld>
             <a:endParaRPr lang="he-IL"/>
           </a:p>
@@ -2576,7 +2576,7 @@
           <a:p>
             <a:fld id="{A9D9B7D1-305C-49A9-9D59-000E5D30F1FD}" type="datetimeFigureOut">
               <a:rPr lang="he-IL" smtClean="0"/>
-              <a:t>ד'/תמוז/תשפ"ג</a:t>
+              <a:t>כ'/תמוז/תשפ"ג</a:t>
             </a:fld>
             <a:endParaRPr lang="he-IL"/>
           </a:p>
@@ -2786,7 +2786,7 @@
           <a:p>
             <a:fld id="{A9D9B7D1-305C-49A9-9D59-000E5D30F1FD}" type="datetimeFigureOut">
               <a:rPr lang="he-IL" smtClean="0"/>
-              <a:t>ד'/תמוז/תשפ"ג</a:t>
+              <a:t>כ'/תמוז/תשפ"ג</a:t>
             </a:fld>
             <a:endParaRPr lang="he-IL"/>
           </a:p>
@@ -4793,7 +4793,7 @@
           <a:p>
             <a:fld id="{A9D9B7D1-305C-49A9-9D59-000E5D30F1FD}" type="datetimeFigureOut">
               <a:rPr lang="he-IL" smtClean="0"/>
-              <a:t>ד'/תמוז/תשפ"ג</a:t>
+              <a:t>כ'/תמוז/תשפ"ג</a:t>
             </a:fld>
             <a:endParaRPr lang="he-IL"/>
           </a:p>
@@ -5069,7 +5069,7 @@
           <a:p>
             <a:fld id="{A9D9B7D1-305C-49A9-9D59-000E5D30F1FD}" type="datetimeFigureOut">
               <a:rPr lang="he-IL" smtClean="0"/>
-              <a:t>ד'/תמוז/תשפ"ג</a:t>
+              <a:t>כ'/תמוז/תשפ"ג</a:t>
             </a:fld>
             <a:endParaRPr lang="he-IL"/>
           </a:p>
@@ -5337,7 +5337,7 @@
           <a:p>
             <a:fld id="{A9D9B7D1-305C-49A9-9D59-000E5D30F1FD}" type="datetimeFigureOut">
               <a:rPr lang="he-IL" smtClean="0"/>
-              <a:t>ד'/תמוז/תשפ"ג</a:t>
+              <a:t>כ'/תמוז/תשפ"ג</a:t>
             </a:fld>
             <a:endParaRPr lang="he-IL"/>
           </a:p>
@@ -5752,7 +5752,7 @@
           <a:p>
             <a:fld id="{A9D9B7D1-305C-49A9-9D59-000E5D30F1FD}" type="datetimeFigureOut">
               <a:rPr lang="he-IL" smtClean="0"/>
-              <a:t>ד'/תמוז/תשפ"ג</a:t>
+              <a:t>כ'/תמוז/תשפ"ג</a:t>
             </a:fld>
             <a:endParaRPr lang="he-IL"/>
           </a:p>
@@ -5894,7 +5894,7 @@
           <a:p>
             <a:fld id="{A9D9B7D1-305C-49A9-9D59-000E5D30F1FD}" type="datetimeFigureOut">
               <a:rPr lang="he-IL" smtClean="0"/>
-              <a:t>ד'/תמוז/תשפ"ג</a:t>
+              <a:t>כ'/תמוז/תשפ"ג</a:t>
             </a:fld>
             <a:endParaRPr lang="he-IL"/>
           </a:p>
@@ -6007,7 +6007,7 @@
           <a:p>
             <a:fld id="{A9D9B7D1-305C-49A9-9D59-000E5D30F1FD}" type="datetimeFigureOut">
               <a:rPr lang="he-IL" smtClean="0"/>
-              <a:t>ד'/תמוז/תשפ"ג</a:t>
+              <a:t>כ'/תמוז/תשפ"ג</a:t>
             </a:fld>
             <a:endParaRPr lang="he-IL"/>
           </a:p>
@@ -6320,7 +6320,7 @@
           <a:p>
             <a:fld id="{A9D9B7D1-305C-49A9-9D59-000E5D30F1FD}" type="datetimeFigureOut">
               <a:rPr lang="he-IL" smtClean="0"/>
-              <a:t>ד'/תמוז/תשפ"ג</a:t>
+              <a:t>כ'/תמוז/תשפ"ג</a:t>
             </a:fld>
             <a:endParaRPr lang="he-IL"/>
           </a:p>
@@ -6609,7 +6609,7 @@
           <a:p>
             <a:fld id="{A9D9B7D1-305C-49A9-9D59-000E5D30F1FD}" type="datetimeFigureOut">
               <a:rPr lang="he-IL" smtClean="0"/>
-              <a:t>ד'/תמוז/תשפ"ג</a:t>
+              <a:t>כ'/תמוז/תשפ"ג</a:t>
             </a:fld>
             <a:endParaRPr lang="he-IL"/>
           </a:p>
@@ -6852,7 +6852,7 @@
           <a:p>
             <a:fld id="{A9D9B7D1-305C-49A9-9D59-000E5D30F1FD}" type="datetimeFigureOut">
               <a:rPr lang="he-IL" smtClean="0"/>
-              <a:t>ד'/תמוז/תשפ"ג</a:t>
+              <a:t>כ'/תמוז/תשפ"ג</a:t>
             </a:fld>
             <a:endParaRPr lang="he-IL"/>
           </a:p>
@@ -10040,12 +10040,12 @@
         <p:spPr>
           <a:xfrm>
             <a:off x="838200" y="1690688"/>
-            <a:ext cx="10515600" cy="4486275"/>
+            <a:ext cx="4736977" cy="4486275"/>
           </a:xfrm>
         </p:spPr>
         <p:txBody>
           <a:bodyPr>
-            <a:normAutofit fontScale="92500" lnSpcReduction="10000"/>
+            <a:normAutofit fontScale="70000" lnSpcReduction="20000"/>
           </a:bodyPr>
           <a:lstStyle/>
           <a:p>
@@ -10182,6 +10182,53 @@
           </a:p>
         </p:txBody>
       </p:sp>
+      <p:pic>
+        <p:nvPicPr>
+          <p:cNvPr id="1026" name="Picture 2" descr="Subprocesses / Parallel | Documentation | WorkflowEngine">
+            <a:extLst>
+              <a:ext uri="{FF2B5EF4-FFF2-40B4-BE49-F238E27FC236}">
+                <a16:creationId xmlns:a16="http://schemas.microsoft.com/office/drawing/2014/main" id="{0BCECCD7-CAD3-4E52-AF39-E0AC7E60BDC8}"/>
+              </a:ext>
+            </a:extLst>
+          </p:cNvPr>
+          <p:cNvPicPr>
+            <a:picLocks noChangeAspect="1" noChangeArrowheads="1"/>
+          </p:cNvPicPr>
+          <p:nvPr/>
+        </p:nvPicPr>
+        <p:blipFill>
+          <a:blip r:embed="rId3">
+            <a:extLst>
+              <a:ext uri="{28A0092B-C50C-407E-A947-70E740481C1C}">
+                <a14:useLocalDpi xmlns:a14="http://schemas.microsoft.com/office/drawing/2010/main" val="0"/>
+              </a:ext>
+            </a:extLst>
+          </a:blip>
+          <a:srcRect/>
+          <a:stretch>
+            <a:fillRect/>
+          </a:stretch>
+        </p:blipFill>
+        <p:spPr bwMode="auto">
+          <a:xfrm>
+            <a:off x="5435260" y="1690688"/>
+            <a:ext cx="7257845" cy="5145487"/>
+          </a:xfrm>
+          <a:prstGeom prst="rect">
+            <a:avLst/>
+          </a:prstGeom>
+          <a:noFill/>
+          <a:extLst>
+            <a:ext uri="{909E8E84-426E-40DD-AFC4-6F175D3DCCD1}">
+              <a14:hiddenFill xmlns:a14="http://schemas.microsoft.com/office/drawing/2010/main">
+                <a:solidFill>
+                  <a:srgbClr val="FFFFFF"/>
+                </a:solidFill>
+              </a14:hiddenFill>
+            </a:ext>
+          </a:extLst>
+        </p:spPr>
+      </p:pic>
     </p:spTree>
     <p:extLst>
       <p:ext uri="{BB962C8B-B14F-4D97-AF65-F5344CB8AC3E}">

--- a/adv_new/Module 07 - Subprocess .pptx
+++ b/adv_new/Module 07 - Subprocess .pptx
@@ -8,7 +8,7 @@
     <p:notesMasterId r:id="rId17"/>
   </p:notesMasterIdLst>
   <p:sldIdLst>
-    <p:sldId id="321" r:id="rId2"/>
+    <p:sldId id="336" r:id="rId2"/>
     <p:sldId id="264" r:id="rId3"/>
     <p:sldId id="322" r:id="rId4"/>
     <p:sldId id="330" r:id="rId5"/>
@@ -764,11 +764,11 @@
 </file>
 
 <file path=ppt/notesSlides/notesSlide1.xml><?xml version="1.0" encoding="utf-8"?>
-<p:notes xmlns:a="http://schemas.openxmlformats.org/drawingml/2006/main" xmlns:r="http://schemas.openxmlformats.org/officeDocument/2006/relationships" xmlns:p="http://schemas.openxmlformats.org/presentationml/2006/main">
+<p:notes xmlns:a="http://schemas.openxmlformats.org/drawingml/2006/main" xmlns:r="http://schemas.openxmlformats.org/officeDocument/2006/relationships" xmlns:p="http://schemas.openxmlformats.org/presentationml/2006/main" showMasterSp="0" showMasterPhAnim="0">
   <p:cSld>
     <p:spTree>
       <p:nvGrpSpPr>
-        <p:cNvPr id="1" name=""/>
+        <p:cNvPr id="1" name="Shape 158"/>
         <p:cNvGrpSpPr/>
         <p:nvPr/>
       </p:nvGrpSpPr>
@@ -782,207 +782,84 @@
       </p:grpSpPr>
       <p:sp>
         <p:nvSpPr>
-          <p:cNvPr id="2" name="Slide Image Placeholder 1"/>
-          <p:cNvSpPr>
-            <a:spLocks noGrp="1" noRot="1" noChangeAspect="1"/>
-          </p:cNvSpPr>
-          <p:nvPr>
-            <p:ph type="sldImg"/>
-          </p:nvPr>
-        </p:nvSpPr>
-        <p:spPr/>
-      </p:sp>
-      <p:sp>
-        <p:nvSpPr>
-          <p:cNvPr id="3" name="Notes Placeholder 2"/>
-          <p:cNvSpPr>
+          <p:cNvPr id="159" name="Google Shape;159;p3:notes"/>
+          <p:cNvSpPr txBox="1">
             <a:spLocks noGrp="1"/>
           </p:cNvSpPr>
           <p:nvPr>
             <p:ph type="body" idx="1"/>
           </p:nvPr>
         </p:nvSpPr>
-        <p:spPr/>
+        <p:spPr>
+          <a:xfrm>
+            <a:off x="685800" y="4400550"/>
+            <a:ext cx="5486400" cy="3600450"/>
+          </a:xfrm>
+          <a:prstGeom prst="rect">
+            <a:avLst/>
+          </a:prstGeom>
+        </p:spPr>
         <p:txBody>
-          <a:bodyPr/>
+          <a:bodyPr spcFirstLastPara="1" wrap="square" lIns="91425" tIns="45700" rIns="91425" bIns="45700" anchor="t" anchorCtr="0">
+            <a:noAutofit/>
+          </a:bodyPr>
           <a:lstStyle/>
           <a:p>
-            <a:r>
-              <a:rPr lang="en-US" dirty="0"/>
-              <a:t>Python is dynamically-typed and garbage-collected. It supports multiple programming paradigms, including structured (particularly, procedural), object-oriented and functional programming.</a:t>
-            </a:r>
-          </a:p>
-          <a:p>
-            <a:endParaRPr lang="en-US" sz="1200" dirty="0">
-              <a:cs typeface="Calibri"/>
-            </a:endParaRPr>
-          </a:p>
-          <a:p>
-            <a:r>
-              <a:rPr lang="en-US" dirty="0">
-                <a:cs typeface="Calibri"/>
-              </a:rPr>
-              <a:t>It was built to be as readable as possible, and is </a:t>
-            </a:r>
-            <a:r>
-              <a:rPr lang="en-US" dirty="0"/>
-              <a:t>significant indentation driven (Off-side rule).</a:t>
-            </a:r>
-            <a:endParaRPr lang="en-US" dirty="0">
-              <a:cs typeface="Calibri"/>
-            </a:endParaRPr>
-          </a:p>
-          <a:p>
-            <a:pPr algn="l" rtl="0" eaLnBrk="1" hangingPunct="1"/>
-            <a:endParaRPr lang="en-US"/>
-          </a:p>
-          <a:p>
-            <a:r>
-              <a:rPr lang="en-US" dirty="0"/>
-              <a:t>The language's core philosophy is summarized in the document </a:t>
-            </a:r>
-            <a:r>
-              <a:rPr lang="en-US" i="1" dirty="0"/>
-              <a:t>The Zen of Python</a:t>
-            </a:r>
-            <a:r>
-              <a:rPr lang="en-US" dirty="0"/>
-              <a:t> (</a:t>
-            </a:r>
-            <a:r>
-              <a:rPr lang="en-US" i="1" dirty="0"/>
-              <a:t>PEP 20</a:t>
-            </a:r>
-            <a:r>
-              <a:rPr lang="en-US" dirty="0"/>
-              <a:t>), which includes aphorisms such as:</a:t>
-            </a:r>
-            <a:endParaRPr lang="en-US" dirty="0">
-              <a:cs typeface="Calibri"/>
-            </a:endParaRPr>
-          </a:p>
-          <a:p>
-            <a:pPr marL="285750" indent="-285750">
-              <a:buFont typeface="Arial"/>
-              <a:buChar char="•"/>
+            <a:pPr marL="0" lvl="0" indent="0" algn="l" rtl="0">
+              <a:spcBef>
+                <a:spcPts val="0"/>
+              </a:spcBef>
+              <a:spcAft>
+                <a:spcPts val="0"/>
+              </a:spcAft>
+              <a:buNone/>
             </a:pPr>
-            <a:r>
-              <a:rPr lang="en-US" dirty="0"/>
-              <a:t>Beautiful is better than ugly.</a:t>
-            </a:r>
-            <a:endParaRPr lang="en-US" dirty="0">
-              <a:cs typeface="Calibri"/>
-            </a:endParaRPr>
-          </a:p>
-          <a:p>
-            <a:pPr marL="285750" indent="-285750">
-              <a:buFont typeface="Arial"/>
-              <a:buChar char="•"/>
-            </a:pPr>
-            <a:r>
-              <a:rPr lang="en-US" dirty="0"/>
-              <a:t>Explicit is better than implicit.</a:t>
-            </a:r>
-            <a:endParaRPr lang="en-US" dirty="0">
-              <a:cs typeface="Calibri"/>
-            </a:endParaRPr>
-          </a:p>
-          <a:p>
-            <a:pPr marL="285750" indent="-285750">
-              <a:buFont typeface="Arial"/>
-              <a:buChar char="•"/>
-            </a:pPr>
-            <a:r>
-              <a:rPr lang="en-US" dirty="0"/>
-              <a:t>Simple is better than complex.</a:t>
-            </a:r>
-            <a:endParaRPr lang="en-US" dirty="0">
-              <a:cs typeface="Calibri"/>
-            </a:endParaRPr>
-          </a:p>
-          <a:p>
-            <a:pPr marL="285750" indent="-285750">
-              <a:buFont typeface="Arial"/>
-              <a:buChar char="•"/>
-            </a:pPr>
-            <a:r>
-              <a:rPr lang="en-US" dirty="0"/>
-              <a:t>Complex is better than complicated.</a:t>
-            </a:r>
-            <a:endParaRPr lang="en-US" dirty="0">
-              <a:cs typeface="Calibri"/>
-            </a:endParaRPr>
-          </a:p>
-          <a:p>
-            <a:pPr marL="285750" indent="-285750">
-              <a:buFont typeface="Arial"/>
-              <a:buChar char="•"/>
-            </a:pPr>
-            <a:r>
-              <a:rPr lang="en-US" dirty="0"/>
-              <a:t>Readability counts.</a:t>
-            </a:r>
-            <a:endParaRPr lang="en-US" dirty="0">
-              <a:cs typeface="Calibri"/>
-            </a:endParaRPr>
-          </a:p>
-          <a:p>
-            <a:pPr algn="l"/>
-            <a:endParaRPr lang="en-US" dirty="0">
-              <a:cs typeface="Calibri"/>
-            </a:endParaRPr>
-          </a:p>
-          <a:p>
-            <a:endParaRPr lang="en-US" u="sng"/>
-          </a:p>
-          <a:p>
-            <a:pPr algn="l" rtl="0" eaLnBrk="1" hangingPunct="1"/>
-            <a:r>
-              <a:rPr lang="en-US" u="sng" dirty="0"/>
-              <a:t>For further reading:</a:t>
-            </a:r>
-          </a:p>
-          <a:p>
-            <a:r>
-              <a:rPr lang="en-US" dirty="0">
-                <a:hlinkClick r:id="rId3"/>
-              </a:rPr>
-              <a:t>Python (programming language) - Wikipedia</a:t>
-            </a:r>
-            <a:endParaRPr lang="en-US"/>
+            <a:endParaRPr/>
           </a:p>
         </p:txBody>
       </p:sp>
       <p:sp>
         <p:nvSpPr>
-          <p:cNvPr id="4" name="Slide Number Placeholder 3"/>
+          <p:cNvPr id="160" name="Google Shape;160;p3:notes"/>
           <p:cNvSpPr>
-            <a:spLocks noGrp="1"/>
+            <a:spLocks noGrp="1" noRot="1" noChangeAspect="1"/>
           </p:cNvSpPr>
           <p:nvPr>
-            <p:ph type="sldNum" sz="quarter" idx="10"/>
+            <p:ph type="sldImg" idx="2"/>
           </p:nvPr>
         </p:nvSpPr>
-        <p:spPr/>
-        <p:txBody>
-          <a:bodyPr/>
-          <a:lstStyle/>
-          <a:p>
-            <a:fld id="{C18343ED-3762-4D46-A439-B4D407E13EF8}" type="slidenum">
-              <a:rPr lang="en-US" smtClean="0"/>
-              <a:pPr/>
-              <a:t>2</a:t>
-            </a:fld>
-            <a:endParaRPr lang="en-US"/>
-          </a:p>
-        </p:txBody>
+        <p:spPr>
+          <a:xfrm>
+            <a:off x="685800" y="1143000"/>
+            <a:ext cx="5486400" cy="3086100"/>
+          </a:xfrm>
+          <a:custGeom>
+            <a:avLst/>
+            <a:gdLst/>
+            <a:ahLst/>
+            <a:cxnLst/>
+            <a:rect l="l" t="t" r="r" b="b"/>
+            <a:pathLst>
+              <a:path w="120000" h="120000" extrusionOk="0">
+                <a:moveTo>
+                  <a:pt x="0" y="0"/>
+                </a:moveTo>
+                <a:lnTo>
+                  <a:pt x="120000" y="0"/>
+                </a:lnTo>
+                <a:lnTo>
+                  <a:pt x="120000" y="120000"/>
+                </a:lnTo>
+                <a:lnTo>
+                  <a:pt x="0" y="120000"/>
+                </a:lnTo>
+                <a:close/>
+              </a:path>
+            </a:pathLst>
+          </a:custGeom>
+        </p:spPr>
       </p:sp>
     </p:spTree>
-    <p:extLst>
-      <p:ext uri="{BB962C8B-B14F-4D97-AF65-F5344CB8AC3E}">
-        <p14:creationId xmlns:p14="http://schemas.microsoft.com/office/powerpoint/2010/main" val="3003253182"/>
-      </p:ext>
-    </p:extLst>
   </p:cSld>
   <p:clrMapOvr>
     <a:masterClrMapping/>
@@ -1198,7 +1075,7 @@
             <a:fld id="{C18343ED-3762-4D46-A439-B4D407E13EF8}" type="slidenum">
               <a:rPr lang="en-US" smtClean="0"/>
               <a:pPr/>
-              <a:t>3</a:t>
+              <a:t>2</a:t>
             </a:fld>
             <a:endParaRPr lang="en-US"/>
           </a:p>
@@ -1207,7 +1084,7 @@
     </p:spTree>
     <p:extLst>
       <p:ext uri="{BB962C8B-B14F-4D97-AF65-F5344CB8AC3E}">
-        <p14:creationId xmlns:p14="http://schemas.microsoft.com/office/powerpoint/2010/main" val="2030585090"/>
+        <p14:creationId xmlns:p14="http://schemas.microsoft.com/office/powerpoint/2010/main" val="3003253182"/>
       </p:ext>
     </p:extLst>
   </p:cSld>
@@ -1262,123 +1139,148 @@
           <a:lstStyle/>
           <a:p>
             <a:r>
+              <a:rPr lang="en-US" dirty="0"/>
+              <a:t>Python is dynamically-typed and garbage-collected. It supports multiple programming paradigms, including structured (particularly, procedural), object-oriented and functional programming.</a:t>
+            </a:r>
+          </a:p>
+          <a:p>
+            <a:endParaRPr lang="en-US" sz="1200" dirty="0">
+              <a:cs typeface="Calibri"/>
+            </a:endParaRPr>
+          </a:p>
+          <a:p>
+            <a:r>
               <a:rPr lang="en-US" dirty="0">
-                <a:solidFill>
-                  <a:srgbClr val="000000"/>
-                </a:solidFill>
-                <a:latin typeface="Tahoma"/>
-                <a:ea typeface="Tahoma"/>
-                <a:cs typeface="Tahoma"/>
-              </a:rPr>
-              <a:t>PyCharm is currently one of the most used IDE for python development, It provides code analysis, a graphical debugger, an integrated unit tester, integration with version control systems (VCSes), and supports web development with Django as well as data science with Anaconda.</a:t>
-            </a:r>
-          </a:p>
-          <a:p>
+                <a:cs typeface="Calibri"/>
+              </a:rPr>
+              <a:t>It was built to be as readable as possible, and is </a:t>
+            </a:r>
+            <a:r>
+              <a:rPr lang="en-US" dirty="0"/>
+              <a:t>significant indentation driven (Off-side rule).</a:t>
+            </a:r>
             <a:endParaRPr lang="en-US" dirty="0">
-              <a:solidFill>
-                <a:srgbClr val="000000"/>
-              </a:solidFill>
-              <a:latin typeface="Tahoma"/>
-              <a:ea typeface="Tahoma"/>
-              <a:cs typeface="Tahoma"/>
+              <a:cs typeface="Calibri"/>
             </a:endParaRPr>
           </a:p>
           <a:p>
-            <a:r>
-              <a:rPr lang="en-US" dirty="0">
-                <a:solidFill>
-                  <a:srgbClr val="000000"/>
-                </a:solidFill>
-                <a:latin typeface="Tahoma"/>
-                <a:ea typeface="Tahoma"/>
-                <a:cs typeface="Tahoma"/>
-              </a:rPr>
-              <a:t>It was created by JetBrains</a:t>
-            </a:r>
-          </a:p>
-          <a:p>
+            <a:pPr algn="l" rtl="0" eaLnBrk="1" hangingPunct="1"/>
+            <a:endParaRPr lang="en-US"/>
+          </a:p>
+          <a:p>
+            <a:r>
+              <a:rPr lang="en-US" dirty="0"/>
+              <a:t>The language's core philosophy is summarized in the document </a:t>
+            </a:r>
+            <a:r>
+              <a:rPr lang="en-US" i="1" dirty="0"/>
+              <a:t>The Zen of Python</a:t>
+            </a:r>
+            <a:r>
+              <a:rPr lang="en-US" dirty="0"/>
+              <a:t> (</a:t>
+            </a:r>
+            <a:r>
+              <a:rPr lang="en-US" i="1" dirty="0"/>
+              <a:t>PEP 20</a:t>
+            </a:r>
+            <a:r>
+              <a:rPr lang="en-US" dirty="0"/>
+              <a:t>), which includes aphorisms such as:</a:t>
+            </a:r>
             <a:endParaRPr lang="en-US" dirty="0">
-              <a:solidFill>
-                <a:srgbClr val="000000"/>
-              </a:solidFill>
-              <a:latin typeface="Tahoma"/>
-              <a:ea typeface="Tahoma"/>
-              <a:cs typeface="Tahoma"/>
+              <a:cs typeface="Calibri"/>
             </a:endParaRPr>
           </a:p>
           <a:p>
-            <a:r>
-              <a:rPr lang="en-US" dirty="0">
-                <a:solidFill>
-                  <a:srgbClr val="000000"/>
-                </a:solidFill>
-                <a:latin typeface="Tahoma"/>
-                <a:ea typeface="Tahoma"/>
-                <a:cs typeface="Tahoma"/>
-              </a:rPr>
-              <a:t>It is mostly popular because of many things, such as:</a:t>
-            </a:r>
-          </a:p>
-          <a:p>
-            <a:pPr marL="171450" indent="-171450">
+            <a:pPr marL="285750" indent="-285750">
               <a:buFont typeface="Arial"/>
               <a:buChar char="•"/>
             </a:pPr>
             <a:r>
-              <a:rPr lang="en-US" dirty="0">
-                <a:solidFill>
-                  <a:srgbClr val="000000"/>
-                </a:solidFill>
-                <a:latin typeface="Tahoma"/>
-                <a:ea typeface="Tahoma"/>
-                <a:cs typeface="Tahoma"/>
-              </a:rPr>
-              <a:t>It is considered as an intelligent code editor, fast and safe refactoring, and smart code.</a:t>
-            </a:r>
-          </a:p>
-          <a:p>
-            <a:pPr marL="171450" indent="-171450">
+              <a:rPr lang="en-US" dirty="0"/>
+              <a:t>Beautiful is better than ugly.</a:t>
+            </a:r>
+            <a:endParaRPr lang="en-US" dirty="0">
+              <a:cs typeface="Calibri"/>
+            </a:endParaRPr>
+          </a:p>
+          <a:p>
+            <a:pPr marL="285750" indent="-285750">
               <a:buFont typeface="Arial"/>
               <a:buChar char="•"/>
             </a:pPr>
             <a:r>
-              <a:rPr lang="en-US" dirty="0">
-                <a:solidFill>
-                  <a:srgbClr val="000000"/>
-                </a:solidFill>
-                <a:latin typeface="Tahoma"/>
-                <a:ea typeface="Tahoma"/>
-                <a:cs typeface="Tahoma"/>
-              </a:rPr>
-              <a:t>Features for debugging, profiling, remote development, testing the code, auto code completion, quick fixing, error detection and tools of the database.</a:t>
-            </a:r>
-          </a:p>
-          <a:p>
-            <a:pPr marL="171450" indent="-171450">
+              <a:rPr lang="en-US" dirty="0"/>
+              <a:t>Explicit is better than implicit.</a:t>
+            </a:r>
+            <a:endParaRPr lang="en-US" dirty="0">
+              <a:cs typeface="Calibri"/>
+            </a:endParaRPr>
+          </a:p>
+          <a:p>
+            <a:pPr marL="285750" indent="-285750">
               <a:buFont typeface="Arial"/>
               <a:buChar char="•"/>
             </a:pPr>
             <a:r>
+              <a:rPr lang="en-US" dirty="0"/>
+              <a:t>Simple is better than complex.</a:t>
+            </a:r>
+            <a:endParaRPr lang="en-US" dirty="0">
+              <a:cs typeface="Calibri"/>
+            </a:endParaRPr>
+          </a:p>
+          <a:p>
+            <a:pPr marL="285750" indent="-285750">
+              <a:buFont typeface="Arial"/>
+              <a:buChar char="•"/>
+            </a:pPr>
+            <a:r>
+              <a:rPr lang="en-US" dirty="0"/>
+              <a:t>Complex is better than complicated.</a:t>
+            </a:r>
+            <a:endParaRPr lang="en-US" dirty="0">
+              <a:cs typeface="Calibri"/>
+            </a:endParaRPr>
+          </a:p>
+          <a:p>
+            <a:pPr marL="285750" indent="-285750">
+              <a:buFont typeface="Arial"/>
+              <a:buChar char="•"/>
+            </a:pPr>
+            <a:r>
+              <a:rPr lang="en-US" dirty="0"/>
+              <a:t>Readability counts.</a:t>
+            </a:r>
+            <a:endParaRPr lang="en-US" dirty="0">
+              <a:cs typeface="Calibri"/>
+            </a:endParaRPr>
+          </a:p>
+          <a:p>
+            <a:pPr algn="l"/>
+            <a:endParaRPr lang="en-US" dirty="0">
+              <a:cs typeface="Calibri"/>
+            </a:endParaRPr>
+          </a:p>
+          <a:p>
+            <a:endParaRPr lang="en-US" u="sng"/>
+          </a:p>
+          <a:p>
+            <a:pPr algn="l" rtl="0" eaLnBrk="1" hangingPunct="1"/>
+            <a:r>
+              <a:rPr lang="en-US" u="sng" dirty="0"/>
+              <a:t>For further reading:</a:t>
+            </a:r>
+          </a:p>
+          <a:p>
+            <a:r>
               <a:rPr lang="en-US" dirty="0">
-                <a:solidFill>
-                  <a:srgbClr val="000000"/>
-                </a:solidFill>
-                <a:latin typeface="Tahoma"/>
-                <a:ea typeface="Tahoma"/>
-                <a:cs typeface="Tahoma"/>
-              </a:rPr>
-              <a:t>Support for Popular web technologies, web frameworks, scientific libraries and version control. </a:t>
-            </a:r>
-          </a:p>
-          <a:p>
-            <a:endParaRPr lang="en-US" dirty="0">
-              <a:solidFill>
-                <a:srgbClr val="000000"/>
-              </a:solidFill>
-              <a:latin typeface="Tahoma"/>
-              <a:ea typeface="Tahoma"/>
-              <a:cs typeface="Tahoma"/>
-            </a:endParaRPr>
+                <a:hlinkClick r:id="rId3"/>
+              </a:rPr>
+              <a:t>Python (programming language) - Wikipedia</a:t>
+            </a:r>
+            <a:endParaRPr lang="en-US"/>
           </a:p>
         </p:txBody>
       </p:sp>
@@ -1400,7 +1302,7 @@
             <a:fld id="{C18343ED-3762-4D46-A439-B4D407E13EF8}" type="slidenum">
               <a:rPr lang="en-US" smtClean="0"/>
               <a:pPr/>
-              <a:t>7</a:t>
+              <a:t>3</a:t>
             </a:fld>
             <a:endParaRPr lang="en-US"/>
           </a:p>
@@ -1409,7 +1311,7 @@
     </p:spTree>
     <p:extLst>
       <p:ext uri="{BB962C8B-B14F-4D97-AF65-F5344CB8AC3E}">
-        <p14:creationId xmlns:p14="http://schemas.microsoft.com/office/powerpoint/2010/main" val="3013686146"/>
+        <p14:creationId xmlns:p14="http://schemas.microsoft.com/office/powerpoint/2010/main" val="2030585090"/>
       </p:ext>
     </p:extLst>
   </p:cSld>
@@ -1602,7 +1504,7 @@
             <a:fld id="{C18343ED-3762-4D46-A439-B4D407E13EF8}" type="slidenum">
               <a:rPr lang="en-US" smtClean="0"/>
               <a:pPr/>
-              <a:t>9</a:t>
+              <a:t>7</a:t>
             </a:fld>
             <a:endParaRPr lang="en-US"/>
           </a:p>
@@ -1611,7 +1513,7 @@
     </p:spTree>
     <p:extLst>
       <p:ext uri="{BB962C8B-B14F-4D97-AF65-F5344CB8AC3E}">
-        <p14:creationId xmlns:p14="http://schemas.microsoft.com/office/powerpoint/2010/main" val="4088648762"/>
+        <p14:creationId xmlns:p14="http://schemas.microsoft.com/office/powerpoint/2010/main" val="3013686146"/>
       </p:ext>
     </p:extLst>
   </p:cSld>
@@ -1804,7 +1706,7 @@
             <a:fld id="{C18343ED-3762-4D46-A439-B4D407E13EF8}" type="slidenum">
               <a:rPr lang="en-US" smtClean="0"/>
               <a:pPr/>
-              <a:t>10</a:t>
+              <a:t>9</a:t>
             </a:fld>
             <a:endParaRPr lang="en-US"/>
           </a:p>
@@ -1813,7 +1715,7 @@
     </p:spTree>
     <p:extLst>
       <p:ext uri="{BB962C8B-B14F-4D97-AF65-F5344CB8AC3E}">
-        <p14:creationId xmlns:p14="http://schemas.microsoft.com/office/powerpoint/2010/main" val="1157867576"/>
+        <p14:creationId xmlns:p14="http://schemas.microsoft.com/office/powerpoint/2010/main" val="4088648762"/>
       </p:ext>
     </p:extLst>
   </p:cSld>
@@ -2006,6 +1908,208 @@
             <a:fld id="{C18343ED-3762-4D46-A439-B4D407E13EF8}" type="slidenum">
               <a:rPr lang="en-US" smtClean="0"/>
               <a:pPr/>
+              <a:t>10</a:t>
+            </a:fld>
+            <a:endParaRPr lang="en-US"/>
+          </a:p>
+        </p:txBody>
+      </p:sp>
+    </p:spTree>
+    <p:extLst>
+      <p:ext uri="{BB962C8B-B14F-4D97-AF65-F5344CB8AC3E}">
+        <p14:creationId xmlns:p14="http://schemas.microsoft.com/office/powerpoint/2010/main" val="1157867576"/>
+      </p:ext>
+    </p:extLst>
+  </p:cSld>
+  <p:clrMapOvr>
+    <a:masterClrMapping/>
+  </p:clrMapOvr>
+</p:notes>
+</file>
+
+<file path=ppt/notesSlides/notesSlide7.xml><?xml version="1.0" encoding="utf-8"?>
+<p:notes xmlns:a="http://schemas.openxmlformats.org/drawingml/2006/main" xmlns:r="http://schemas.openxmlformats.org/officeDocument/2006/relationships" xmlns:p="http://schemas.openxmlformats.org/presentationml/2006/main">
+  <p:cSld>
+    <p:spTree>
+      <p:nvGrpSpPr>
+        <p:cNvPr id="1" name=""/>
+        <p:cNvGrpSpPr/>
+        <p:nvPr/>
+      </p:nvGrpSpPr>
+      <p:grpSpPr>
+        <a:xfrm>
+          <a:off x="0" y="0"/>
+          <a:ext cx="0" cy="0"/>
+          <a:chOff x="0" y="0"/>
+          <a:chExt cx="0" cy="0"/>
+        </a:xfrm>
+      </p:grpSpPr>
+      <p:sp>
+        <p:nvSpPr>
+          <p:cNvPr id="2" name="Slide Image Placeholder 1"/>
+          <p:cNvSpPr>
+            <a:spLocks noGrp="1" noRot="1" noChangeAspect="1"/>
+          </p:cNvSpPr>
+          <p:nvPr>
+            <p:ph type="sldImg"/>
+          </p:nvPr>
+        </p:nvSpPr>
+        <p:spPr/>
+      </p:sp>
+      <p:sp>
+        <p:nvSpPr>
+          <p:cNvPr id="3" name="Notes Placeholder 2"/>
+          <p:cNvSpPr>
+            <a:spLocks noGrp="1"/>
+          </p:cNvSpPr>
+          <p:nvPr>
+            <p:ph type="body" idx="1"/>
+          </p:nvPr>
+        </p:nvSpPr>
+        <p:spPr/>
+        <p:txBody>
+          <a:bodyPr/>
+          <a:lstStyle/>
+          <a:p>
+            <a:r>
+              <a:rPr lang="en-US" dirty="0">
+                <a:solidFill>
+                  <a:srgbClr val="000000"/>
+                </a:solidFill>
+                <a:latin typeface="Tahoma"/>
+                <a:ea typeface="Tahoma"/>
+                <a:cs typeface="Tahoma"/>
+              </a:rPr>
+              <a:t>PyCharm is currently one of the most used IDE for python development, It provides code analysis, a graphical debugger, an integrated unit tester, integration with version control systems (VCSes), and supports web development with Django as well as data science with Anaconda.</a:t>
+            </a:r>
+          </a:p>
+          <a:p>
+            <a:endParaRPr lang="en-US" dirty="0">
+              <a:solidFill>
+                <a:srgbClr val="000000"/>
+              </a:solidFill>
+              <a:latin typeface="Tahoma"/>
+              <a:ea typeface="Tahoma"/>
+              <a:cs typeface="Tahoma"/>
+            </a:endParaRPr>
+          </a:p>
+          <a:p>
+            <a:r>
+              <a:rPr lang="en-US" dirty="0">
+                <a:solidFill>
+                  <a:srgbClr val="000000"/>
+                </a:solidFill>
+                <a:latin typeface="Tahoma"/>
+                <a:ea typeface="Tahoma"/>
+                <a:cs typeface="Tahoma"/>
+              </a:rPr>
+              <a:t>It was created by JetBrains</a:t>
+            </a:r>
+          </a:p>
+          <a:p>
+            <a:endParaRPr lang="en-US" dirty="0">
+              <a:solidFill>
+                <a:srgbClr val="000000"/>
+              </a:solidFill>
+              <a:latin typeface="Tahoma"/>
+              <a:ea typeface="Tahoma"/>
+              <a:cs typeface="Tahoma"/>
+            </a:endParaRPr>
+          </a:p>
+          <a:p>
+            <a:r>
+              <a:rPr lang="en-US" dirty="0">
+                <a:solidFill>
+                  <a:srgbClr val="000000"/>
+                </a:solidFill>
+                <a:latin typeface="Tahoma"/>
+                <a:ea typeface="Tahoma"/>
+                <a:cs typeface="Tahoma"/>
+              </a:rPr>
+              <a:t>It is mostly popular because of many things, such as:</a:t>
+            </a:r>
+          </a:p>
+          <a:p>
+            <a:pPr marL="171450" indent="-171450">
+              <a:buFont typeface="Arial"/>
+              <a:buChar char="•"/>
+            </a:pPr>
+            <a:r>
+              <a:rPr lang="en-US" dirty="0">
+                <a:solidFill>
+                  <a:srgbClr val="000000"/>
+                </a:solidFill>
+                <a:latin typeface="Tahoma"/>
+                <a:ea typeface="Tahoma"/>
+                <a:cs typeface="Tahoma"/>
+              </a:rPr>
+              <a:t>It is considered as an intelligent code editor, fast and safe refactoring, and smart code.</a:t>
+            </a:r>
+          </a:p>
+          <a:p>
+            <a:pPr marL="171450" indent="-171450">
+              <a:buFont typeface="Arial"/>
+              <a:buChar char="•"/>
+            </a:pPr>
+            <a:r>
+              <a:rPr lang="en-US" dirty="0">
+                <a:solidFill>
+                  <a:srgbClr val="000000"/>
+                </a:solidFill>
+                <a:latin typeface="Tahoma"/>
+                <a:ea typeface="Tahoma"/>
+                <a:cs typeface="Tahoma"/>
+              </a:rPr>
+              <a:t>Features for debugging, profiling, remote development, testing the code, auto code completion, quick fixing, error detection and tools of the database.</a:t>
+            </a:r>
+          </a:p>
+          <a:p>
+            <a:pPr marL="171450" indent="-171450">
+              <a:buFont typeface="Arial"/>
+              <a:buChar char="•"/>
+            </a:pPr>
+            <a:r>
+              <a:rPr lang="en-US" dirty="0">
+                <a:solidFill>
+                  <a:srgbClr val="000000"/>
+                </a:solidFill>
+                <a:latin typeface="Tahoma"/>
+                <a:ea typeface="Tahoma"/>
+                <a:cs typeface="Tahoma"/>
+              </a:rPr>
+              <a:t>Support for Popular web technologies, web frameworks, scientific libraries and version control. </a:t>
+            </a:r>
+          </a:p>
+          <a:p>
+            <a:endParaRPr lang="en-US" dirty="0">
+              <a:solidFill>
+                <a:srgbClr val="000000"/>
+              </a:solidFill>
+              <a:latin typeface="Tahoma"/>
+              <a:ea typeface="Tahoma"/>
+              <a:cs typeface="Tahoma"/>
+            </a:endParaRPr>
+          </a:p>
+        </p:txBody>
+      </p:sp>
+      <p:sp>
+        <p:nvSpPr>
+          <p:cNvPr id="4" name="Slide Number Placeholder 3"/>
+          <p:cNvSpPr>
+            <a:spLocks noGrp="1"/>
+          </p:cNvSpPr>
+          <p:nvPr>
+            <p:ph type="sldNum" sz="quarter" idx="10"/>
+          </p:nvPr>
+        </p:nvSpPr>
+        <p:spPr/>
+        <p:txBody>
+          <a:bodyPr/>
+          <a:lstStyle/>
+          <a:p>
+            <a:fld id="{C18343ED-3762-4D46-A439-B4D407E13EF8}" type="slidenum">
+              <a:rPr lang="en-US" smtClean="0"/>
+              <a:pPr/>
               <a:t>12</a:t>
             </a:fld>
             <a:endParaRPr lang="en-US"/>
@@ -2025,7 +2129,7 @@
 </p:notes>
 </file>
 
-<file path=ppt/notesSlides/notesSlide7.xml><?xml version="1.0" encoding="utf-8"?>
+<file path=ppt/notesSlides/notesSlide8.xml><?xml version="1.0" encoding="utf-8"?>
 <p:notes xmlns:a="http://schemas.openxmlformats.org/drawingml/2006/main" xmlns:r="http://schemas.openxmlformats.org/officeDocument/2006/relationships" xmlns:p="http://schemas.openxmlformats.org/presentationml/2006/main">
   <p:cSld>
     <p:spTree>
@@ -2860,298 +2964,6 @@
 </file>
 
 <file path=ppt/slideLayouts/slideLayout12.xml><?xml version="1.0" encoding="utf-8"?>
-<p:sldLayout xmlns:a="http://schemas.openxmlformats.org/drawingml/2006/main" xmlns:r="http://schemas.openxmlformats.org/officeDocument/2006/relationships" xmlns:p="http://schemas.openxmlformats.org/presentationml/2006/main" userDrawn="1">
-  <p:cSld name="1_Title Slide">
-    <p:spTree>
-      <p:nvGrpSpPr>
-        <p:cNvPr id="1" name=""/>
-        <p:cNvGrpSpPr/>
-        <p:nvPr/>
-      </p:nvGrpSpPr>
-      <p:grpSpPr>
-        <a:xfrm>
-          <a:off x="0" y="0"/>
-          <a:ext cx="0" cy="0"/>
-          <a:chOff x="0" y="0"/>
-          <a:chExt cx="0" cy="0"/>
-        </a:xfrm>
-      </p:grpSpPr>
-      <p:sp>
-        <p:nvSpPr>
-          <p:cNvPr id="2" name="Title 1"/>
-          <p:cNvSpPr>
-            <a:spLocks noGrp="1"/>
-          </p:cNvSpPr>
-          <p:nvPr>
-            <p:ph type="ctrTitle"/>
-          </p:nvPr>
-        </p:nvSpPr>
-        <p:spPr>
-          <a:xfrm>
-            <a:off x="774049" y="1340768"/>
-            <a:ext cx="9850763" cy="1085850"/>
-          </a:xfrm>
-        </p:spPr>
-        <p:txBody>
-          <a:bodyPr vert="horz" lIns="0" tIns="45720" rIns="91440" bIns="45720" rtlCol="0" anchor="t" anchorCtr="0">
-            <a:normAutofit/>
-          </a:bodyPr>
-          <a:lstStyle>
-            <a:lvl1pPr>
-              <a:defRPr lang="en-US" sz="3200" dirty="0">
-                <a:ln w="3175">
-                  <a:noFill/>
-                </a:ln>
-              </a:defRPr>
-            </a:lvl1pPr>
-          </a:lstStyle>
-          <a:p>
-            <a:pPr lvl="0"/>
-            <a:r>
-              <a:rPr lang="en-US"/>
-              <a:t>Click to edit Master title style</a:t>
-            </a:r>
-          </a:p>
-        </p:txBody>
-      </p:sp>
-      <p:sp>
-        <p:nvSpPr>
-          <p:cNvPr id="11" name="TextBox 10"/>
-          <p:cNvSpPr txBox="1"/>
-          <p:nvPr userDrawn="1"/>
-        </p:nvSpPr>
-        <p:spPr>
-          <a:xfrm>
-            <a:off x="774050" y="6362070"/>
-            <a:ext cx="10506527" cy="261610"/>
-          </a:xfrm>
-          <a:prstGeom prst="rect">
-            <a:avLst/>
-          </a:prstGeom>
-          <a:noFill/>
-        </p:spPr>
-        <p:txBody>
-          <a:bodyPr wrap="square" lIns="0" rtlCol="0">
-            <a:spAutoFit/>
-          </a:bodyPr>
-          <a:lstStyle/>
-          <a:p>
-            <a:pPr algn="l"/>
-            <a:r>
-              <a:rPr lang="en-US" sz="1100" kern="1200">
-                <a:solidFill>
-                  <a:schemeClr val="tx1">
-                    <a:lumMod val="85000"/>
-                    <a:lumOff val="15000"/>
-                  </a:schemeClr>
-                </a:solidFill>
-                <a:latin typeface="Segoe" panose="020B0502040504020203" pitchFamily="34" charset="0"/>
-                <a:ea typeface="+mn-ea"/>
-                <a:cs typeface="+mn-cs"/>
-              </a:rPr>
-              <a:t>Copyright © SELA Software &amp; Education Labs, Ltd. | 14-18 Baruch Hirsch St., </a:t>
-            </a:r>
-            <a:r>
-              <a:rPr lang="en-US" sz="1100" kern="1200" err="1">
-                <a:solidFill>
-                  <a:schemeClr val="tx1">
-                    <a:lumMod val="85000"/>
-                    <a:lumOff val="15000"/>
-                  </a:schemeClr>
-                </a:solidFill>
-                <a:latin typeface="Segoe" panose="020B0502040504020203" pitchFamily="34" charset="0"/>
-                <a:ea typeface="+mn-ea"/>
-                <a:cs typeface="+mn-cs"/>
-              </a:rPr>
-              <a:t>Bnei</a:t>
-            </a:r>
-            <a:r>
-              <a:rPr lang="en-US" sz="1100" kern="1200">
-                <a:solidFill>
-                  <a:schemeClr val="tx1">
-                    <a:lumMod val="85000"/>
-                    <a:lumOff val="15000"/>
-                  </a:schemeClr>
-                </a:solidFill>
-                <a:latin typeface="Segoe" panose="020B0502040504020203" pitchFamily="34" charset="0"/>
-                <a:ea typeface="+mn-ea"/>
-                <a:cs typeface="+mn-cs"/>
-              </a:rPr>
-              <a:t> </a:t>
-            </a:r>
-            <a:r>
-              <a:rPr lang="en-US" sz="1100" kern="1200" err="1">
-                <a:solidFill>
-                  <a:schemeClr val="tx1">
-                    <a:lumMod val="85000"/>
-                    <a:lumOff val="15000"/>
-                  </a:schemeClr>
-                </a:solidFill>
-                <a:latin typeface="Segoe" panose="020B0502040504020203" pitchFamily="34" charset="0"/>
-                <a:ea typeface="+mn-ea"/>
-                <a:cs typeface="+mn-cs"/>
-              </a:rPr>
-              <a:t>Brak</a:t>
-            </a:r>
-            <a:r>
-              <a:rPr lang="en-US" sz="1100" kern="1200">
-                <a:solidFill>
-                  <a:schemeClr val="tx1">
-                    <a:lumMod val="85000"/>
-                    <a:lumOff val="15000"/>
-                  </a:schemeClr>
-                </a:solidFill>
-                <a:latin typeface="Segoe" panose="020B0502040504020203" pitchFamily="34" charset="0"/>
-                <a:ea typeface="+mn-ea"/>
-                <a:cs typeface="+mn-cs"/>
-              </a:rPr>
-              <a:t> 51202, Israel | www.selagroup.com</a:t>
-            </a:r>
-            <a:endParaRPr lang="en-US" sz="800">
-              <a:solidFill>
-                <a:schemeClr val="tx1">
-                  <a:lumMod val="85000"/>
-                  <a:lumOff val="15000"/>
-                </a:schemeClr>
-              </a:solidFill>
-              <a:latin typeface="Segoe" panose="020B0502040504020203" pitchFamily="34" charset="0"/>
-            </a:endParaRPr>
-          </a:p>
-        </p:txBody>
-      </p:sp>
-      <p:pic>
-        <p:nvPicPr>
-          <p:cNvPr id="13" name="Picture 12"/>
-          <p:cNvPicPr>
-            <a:picLocks noChangeAspect="1"/>
-          </p:cNvPicPr>
-          <p:nvPr userDrawn="1"/>
-        </p:nvPicPr>
-        <p:blipFill>
-          <a:blip r:embed="rId2" cstate="print">
-            <a:extLst>
-              <a:ext uri="{28A0092B-C50C-407E-A947-70E740481C1C}">
-                <a14:useLocalDpi xmlns:a14="http://schemas.microsoft.com/office/drawing/2010/main" val="0"/>
-              </a:ext>
-            </a:extLst>
-          </a:blip>
-          <a:stretch>
-            <a:fillRect/>
-          </a:stretch>
-        </p:blipFill>
-        <p:spPr>
-          <a:xfrm>
-            <a:off x="774050" y="534798"/>
-            <a:ext cx="3509932" cy="483907"/>
-          </a:xfrm>
-          <a:prstGeom prst="rect">
-            <a:avLst/>
-          </a:prstGeom>
-        </p:spPr>
-      </p:pic>
-      <p:sp>
-        <p:nvSpPr>
-          <p:cNvPr id="7" name="Text Placeholder 6"/>
-          <p:cNvSpPr>
-            <a:spLocks noGrp="1"/>
-          </p:cNvSpPr>
-          <p:nvPr>
-            <p:ph type="body" sz="quarter" idx="10"/>
-          </p:nvPr>
-        </p:nvSpPr>
-        <p:spPr>
-          <a:xfrm>
-            <a:off x="774701" y="2427289"/>
-            <a:ext cx="9850967" cy="1362075"/>
-          </a:xfrm>
-          <a:prstGeom prst="rect">
-            <a:avLst/>
-          </a:prstGeom>
-        </p:spPr>
-        <p:txBody>
-          <a:bodyPr/>
-          <a:lstStyle>
-            <a:lvl1pPr marL="0" marR="0" indent="0" algn="l" defTabSz="914400" rtl="0" eaLnBrk="1" fontAlgn="auto" latinLnBrk="0" hangingPunct="1">
-              <a:lnSpc>
-                <a:spcPct val="100000"/>
-              </a:lnSpc>
-              <a:spcBef>
-                <a:spcPct val="20000"/>
-              </a:spcBef>
-              <a:spcAft>
-                <a:spcPts val="0"/>
-              </a:spcAft>
-              <a:buClrTx/>
-              <a:buSzTx/>
-              <a:buFontTx/>
-              <a:buNone/>
-              <a:tabLst/>
-              <a:defRPr>
-                <a:solidFill>
-                  <a:srgbClr val="E89636"/>
-                </a:solidFill>
-              </a:defRPr>
-            </a:lvl1pPr>
-            <a:lvl2pPr marL="457200" indent="0" algn="l" rtl="0">
-              <a:buFontTx/>
-              <a:buNone/>
-              <a:defRPr/>
-            </a:lvl2pPr>
-            <a:lvl3pPr marL="914400" indent="0" algn="l" rtl="0">
-              <a:buFontTx/>
-              <a:buNone/>
-              <a:defRPr/>
-            </a:lvl3pPr>
-            <a:lvl4pPr marL="1371600" indent="0" algn="l" rtl="0">
-              <a:buFontTx/>
-              <a:buNone/>
-              <a:defRPr/>
-            </a:lvl4pPr>
-            <a:lvl5pPr marL="1828800" indent="0" algn="l" rtl="0">
-              <a:buFontTx/>
-              <a:buNone/>
-              <a:defRPr/>
-            </a:lvl5pPr>
-          </a:lstStyle>
-          <a:p>
-            <a:pPr lvl="0"/>
-            <a:r>
-              <a:rPr lang="en-US"/>
-              <a:t>Click to edit Master text styles</a:t>
-            </a:r>
-          </a:p>
-        </p:txBody>
-      </p:sp>
-    </p:spTree>
-    <p:extLst>
-      <p:ext uri="{BB962C8B-B14F-4D97-AF65-F5344CB8AC3E}">
-        <p14:creationId xmlns:p14="http://schemas.microsoft.com/office/powerpoint/2010/main" val="2797336940"/>
-      </p:ext>
-    </p:extLst>
-  </p:cSld>
-  <p:clrMapOvr>
-    <a:masterClrMapping/>
-  </p:clrMapOvr>
-  <p:extLst>
-    <p:ext uri="{DCECCB84-F9BA-43D5-87BE-67443E8EF086}">
-      <p15:sldGuideLst xmlns:p15="http://schemas.microsoft.com/office/powerpoint/2012/main">
-        <p15:guide id="1" orient="horz" pos="789">
-          <p15:clr>
-            <a:srgbClr val="FBAE40"/>
-          </p15:clr>
-        </p15:guide>
-        <p15:guide id="2" pos="612">
-          <p15:clr>
-            <a:srgbClr val="FBAE40"/>
-          </p15:clr>
-        </p15:guide>
-      </p15:sldGuideLst>
-    </p:ext>
-  </p:extLst>
-</p:sldLayout>
-</file>
-
-<file path=ppt/slideLayouts/slideLayout13.xml><?xml version="1.0" encoding="utf-8"?>
 <p:sldLayout xmlns:a="http://schemas.openxmlformats.org/drawingml/2006/main" xmlns:r="http://schemas.openxmlformats.org/officeDocument/2006/relationships" xmlns:p="http://schemas.openxmlformats.org/presentationml/2006/main" userDrawn="1">
   <p:cSld name="Demo Page">
     <p:spTree>
@@ -3668,7 +3480,7 @@
 </p:sldLayout>
 </file>
 
-<file path=ppt/slideLayouts/slideLayout14.xml><?xml version="1.0" encoding="utf-8"?>
+<file path=ppt/slideLayouts/slideLayout13.xml><?xml version="1.0" encoding="utf-8"?>
 <p:sldLayout xmlns:a="http://schemas.openxmlformats.org/drawingml/2006/main" xmlns:r="http://schemas.openxmlformats.org/officeDocument/2006/relationships" xmlns:p="http://schemas.openxmlformats.org/presentationml/2006/main" userDrawn="1">
   <p:cSld name="Lab">
     <p:spTree>
@@ -4185,7 +3997,7 @@
 </p:sldLayout>
 </file>
 
-<file path=ppt/slideLayouts/slideLayout15.xml><?xml version="1.0" encoding="utf-8"?>
+<file path=ppt/slideLayouts/slideLayout14.xml><?xml version="1.0" encoding="utf-8"?>
 <p:sldLayout xmlns:a="http://schemas.openxmlformats.org/drawingml/2006/main" xmlns:r="http://schemas.openxmlformats.org/officeDocument/2006/relationships" xmlns:p="http://schemas.openxmlformats.org/presentationml/2006/main" userDrawn="1">
   <p:cSld name="Questions">
     <p:spTree>
@@ -4666,6 +4478,63 @@
 </p:sldLayout>
 </file>
 
+<file path=ppt/slideLayouts/slideLayout15.xml><?xml version="1.0" encoding="utf-8"?>
+<p:sldLayout xmlns:a="http://schemas.openxmlformats.org/drawingml/2006/main" xmlns:r="http://schemas.openxmlformats.org/officeDocument/2006/relationships" xmlns:p="http://schemas.openxmlformats.org/presentationml/2006/main" matchingName="6_Title Slide">
+  <p:cSld name="6_Title Slide">
+    <p:spTree>
+      <p:nvGrpSpPr>
+        <p:cNvPr id="1" name="Shape 16"/>
+        <p:cNvGrpSpPr/>
+        <p:nvPr/>
+      </p:nvGrpSpPr>
+      <p:grpSpPr>
+        <a:xfrm>
+          <a:off x="0" y="0"/>
+          <a:ext cx="0" cy="0"/>
+          <a:chOff x="0" y="0"/>
+          <a:chExt cx="0" cy="0"/>
+        </a:xfrm>
+      </p:grpSpPr>
+      <p:pic>
+        <p:nvPicPr>
+          <p:cNvPr id="17" name="Google Shape;17;p10"/>
+          <p:cNvPicPr preferRelativeResize="0"/>
+          <p:nvPr/>
+        </p:nvPicPr>
+        <p:blipFill rotWithShape="1">
+          <a:blip r:embed="rId2">
+            <a:alphaModFix/>
+          </a:blip>
+          <a:srcRect/>
+          <a:stretch/>
+        </p:blipFill>
+        <p:spPr>
+          <a:xfrm>
+            <a:off x="10668000" y="5981612"/>
+            <a:ext cx="1246029" cy="511263"/>
+          </a:xfrm>
+          <a:prstGeom prst="rect">
+            <a:avLst/>
+          </a:prstGeom>
+          <a:noFill/>
+          <a:ln>
+            <a:noFill/>
+          </a:ln>
+        </p:spPr>
+      </p:pic>
+    </p:spTree>
+    <p:extLst>
+      <p:ext uri="{BB962C8B-B14F-4D97-AF65-F5344CB8AC3E}">
+        <p14:creationId xmlns:p14="http://schemas.microsoft.com/office/powerpoint/2010/main" val="3855446772"/>
+      </p:ext>
+    </p:extLst>
+  </p:cSld>
+  <p:clrMapOvr>
+    <a:masterClrMapping/>
+  </p:clrMapOvr>
+</p:sldLayout>
+</file>
+
 <file path=ppt/slideLayouts/slideLayout2.xml><?xml version="1.0" encoding="utf-8"?>
 <p:sldLayout xmlns:a="http://schemas.openxmlformats.org/drawingml/2006/main" xmlns:r="http://schemas.openxmlformats.org/officeDocument/2006/relationships" xmlns:p="http://schemas.openxmlformats.org/presentationml/2006/main" type="obj" preserve="1">
   <p:cSld name="Title and Content">
@@ -6968,10 +6837,10 @@
     <p:sldLayoutId id="2147483657" r:id="rId9"/>
     <p:sldLayoutId id="2147483658" r:id="rId10"/>
     <p:sldLayoutId id="2147483659" r:id="rId11"/>
-    <p:sldLayoutId id="2147483660" r:id="rId12"/>
-    <p:sldLayoutId id="2147483665" r:id="rId13"/>
-    <p:sldLayoutId id="2147483667" r:id="rId14"/>
-    <p:sldLayoutId id="2147483670" r:id="rId15"/>
+    <p:sldLayoutId id="2147483665" r:id="rId12"/>
+    <p:sldLayoutId id="2147483667" r:id="rId13"/>
+    <p:sldLayoutId id="2147483670" r:id="rId14"/>
+    <p:sldLayoutId id="2147483671" r:id="rId15"/>
   </p:sldLayoutIdLst>
   <p:txStyles>
     <p:titleStyle>
@@ -7261,7 +7130,7 @@
   <p:cSld>
     <p:spTree>
       <p:nvGrpSpPr>
-        <p:cNvPr id="1" name=""/>
+        <p:cNvPr id="1" name="Shape 161"/>
         <p:cNvGrpSpPr/>
         <p:nvPr/>
       </p:nvGrpSpPr>
@@ -7275,54 +7144,501 @@
       </p:grpSpPr>
       <p:sp>
         <p:nvSpPr>
-          <p:cNvPr id="2" name="Title 1"/>
-          <p:cNvSpPr>
-            <a:spLocks noGrp="1"/>
-          </p:cNvSpPr>
-          <p:nvPr>
-            <p:ph type="ctrTitle"/>
-          </p:nvPr>
+          <p:cNvPr id="162" name="Google Shape;162;p3"/>
+          <p:cNvSpPr/>
+          <p:nvPr/>
         </p:nvSpPr>
         <p:spPr>
           <a:xfrm>
-            <a:off x="2135560" y="1700808"/>
-            <a:ext cx="7388072" cy="1085850"/>
+            <a:off x="753215" y="731221"/>
+            <a:ext cx="1852408" cy="1804715"/>
           </a:xfrm>
+          <a:prstGeom prst="rect">
+            <a:avLst/>
+          </a:prstGeom>
+          <a:noFill/>
+          <a:ln w="114300" cap="flat" cmpd="sng">
+            <a:solidFill>
+              <a:srgbClr val="0071F6"/>
+            </a:solidFill>
+            <a:prstDash val="solid"/>
+            <a:miter lim="800000"/>
+            <a:headEnd type="none" w="sm" len="sm"/>
+            <a:tailEnd type="none" w="sm" len="sm"/>
+          </a:ln>
         </p:spPr>
         <p:txBody>
-          <a:bodyPr>
-            <a:normAutofit/>
+          <a:bodyPr spcFirstLastPara="1" wrap="square" lIns="91425" tIns="45700" rIns="91425" bIns="45700" anchor="ctr" anchorCtr="0">
+            <a:noAutofit/>
           </a:bodyPr>
           <a:lstStyle/>
           <a:p>
-            <a:r>
-              <a:rPr lang="en-US"/>
-              <a:t>Module 07 </a:t>
-            </a:r>
-            <a:r>
-              <a:rPr lang="en-US" dirty="0"/>
-              <a:t>– subprocess – Work with additional processes</a:t>
-            </a:r>
-            <a:endParaRPr lang="he-IL" dirty="0"/>
+            <a:pPr marL="0" marR="0" lvl="0" indent="0" algn="ctr" rtl="0">
+              <a:spcBef>
+                <a:spcPts val="0"/>
+              </a:spcBef>
+              <a:spcAft>
+                <a:spcPts val="0"/>
+              </a:spcAft>
+              <a:buNone/>
+            </a:pPr>
+            <a:endParaRPr sz="10000" b="0" i="0" u="none" strike="noStrike" cap="none">
+              <a:solidFill>
+                <a:schemeClr val="lt1"/>
+              </a:solidFill>
+              <a:latin typeface="Calibri"/>
+              <a:ea typeface="Calibri"/>
+              <a:cs typeface="Calibri"/>
+              <a:sym typeface="Calibri"/>
+            </a:endParaRPr>
           </a:p>
         </p:txBody>
       </p:sp>
+      <p:sp>
+        <p:nvSpPr>
+          <p:cNvPr id="163" name="Google Shape;163;p3"/>
+          <p:cNvSpPr/>
+          <p:nvPr/>
+        </p:nvSpPr>
+        <p:spPr>
+          <a:xfrm>
+            <a:off x="1024128" y="974550"/>
+            <a:ext cx="1938528" cy="1220010"/>
+          </a:xfrm>
+          <a:prstGeom prst="rect">
+            <a:avLst/>
+          </a:prstGeom>
+          <a:solidFill>
+            <a:schemeClr val="lt1"/>
+          </a:solidFill>
+          <a:ln>
+            <a:noFill/>
+          </a:ln>
+        </p:spPr>
+        <p:txBody>
+          <a:bodyPr spcFirstLastPara="1" wrap="square" lIns="91425" tIns="45700" rIns="91425" bIns="45700" anchor="ctr" anchorCtr="0">
+            <a:noAutofit/>
+          </a:bodyPr>
+          <a:lstStyle/>
+          <a:p>
+            <a:pPr marL="0" marR="0" lvl="0" indent="0" algn="ctr" rtl="0">
+              <a:spcBef>
+                <a:spcPts val="0"/>
+              </a:spcBef>
+              <a:spcAft>
+                <a:spcPts val="0"/>
+              </a:spcAft>
+              <a:buNone/>
+            </a:pPr>
+            <a:endParaRPr sz="1800" b="0" i="0" u="none" strike="noStrike" cap="none">
+              <a:solidFill>
+                <a:schemeClr val="lt1"/>
+              </a:solidFill>
+              <a:latin typeface="Calibri"/>
+              <a:ea typeface="Calibri"/>
+              <a:cs typeface="Calibri"/>
+              <a:sym typeface="Calibri"/>
+            </a:endParaRPr>
+          </a:p>
+        </p:txBody>
+      </p:sp>
+      <p:sp>
+        <p:nvSpPr>
+          <p:cNvPr id="164" name="Google Shape;164;p3"/>
+          <p:cNvSpPr txBox="1"/>
+          <p:nvPr/>
+        </p:nvSpPr>
+        <p:spPr>
+          <a:xfrm>
+            <a:off x="1197504" y="1264978"/>
+            <a:ext cx="9479731" cy="696987"/>
+          </a:xfrm>
+          <a:prstGeom prst="rect">
+            <a:avLst/>
+          </a:prstGeom>
+          <a:noFill/>
+          <a:ln>
+            <a:noFill/>
+          </a:ln>
+        </p:spPr>
+        <p:txBody>
+          <a:bodyPr spcFirstLastPara="1" wrap="square" lIns="0" tIns="0" rIns="0" bIns="0" anchor="t" anchorCtr="0">
+            <a:noAutofit/>
+          </a:bodyPr>
+          <a:lstStyle/>
+          <a:p>
+            <a:pPr marL="0" marR="0" lvl="0" indent="0" algn="l" rtl="0">
+              <a:lnSpc>
+                <a:spcPct val="90000"/>
+              </a:lnSpc>
+              <a:spcBef>
+                <a:spcPts val="0"/>
+              </a:spcBef>
+              <a:spcAft>
+                <a:spcPts val="0"/>
+              </a:spcAft>
+              <a:buClr>
+                <a:schemeClr val="dk1"/>
+              </a:buClr>
+              <a:buSzPts val="5000"/>
+              <a:buFont typeface="Lexend"/>
+              <a:buNone/>
+            </a:pPr>
+            <a:r>
+              <a:rPr lang="en-US" sz="5400" b="1" dirty="0">
+                <a:latin typeface="Lexend" panose="020B0604020202020204"/>
+              </a:rPr>
+              <a:t>Module 07 – subprocess</a:t>
+            </a:r>
+            <a:endParaRPr lang="en-US" sz="2000" b="1" i="0" u="none" strike="noStrike" cap="none" dirty="0">
+              <a:solidFill>
+                <a:schemeClr val="tx2">
+                  <a:lumMod val="25000"/>
+                </a:schemeClr>
+              </a:solidFill>
+              <a:latin typeface="Lexend" panose="020B0604020202020204"/>
+              <a:ea typeface="Lexend" panose="020B0604020202020204"/>
+              <a:cs typeface="Lexend" panose="020B0604020202020204"/>
+              <a:sym typeface="Lexend"/>
+            </a:endParaRPr>
+          </a:p>
+        </p:txBody>
+      </p:sp>
+      <p:grpSp>
+        <p:nvGrpSpPr>
+          <p:cNvPr id="26" name="Group 25">
+            <a:extLst>
+              <a:ext uri="{FF2B5EF4-FFF2-40B4-BE49-F238E27FC236}">
+                <a16:creationId xmlns:a16="http://schemas.microsoft.com/office/drawing/2014/main" id="{3707614E-B472-D72F-3362-F3D5800A79AE}"/>
+              </a:ext>
+            </a:extLst>
+          </p:cNvPr>
+          <p:cNvGrpSpPr/>
+          <p:nvPr/>
+        </p:nvGrpSpPr>
+        <p:grpSpPr>
+          <a:xfrm>
+            <a:off x="4768981" y="6314787"/>
+            <a:ext cx="2898939" cy="435065"/>
+            <a:chOff x="4346126" y="6301065"/>
+            <a:chExt cx="2898939" cy="435065"/>
+          </a:xfrm>
+        </p:grpSpPr>
+        <p:sp>
+          <p:nvSpPr>
+            <p:cNvPr id="27" name="Google Shape;157;p2">
+              <a:extLst>
+                <a:ext uri="{FF2B5EF4-FFF2-40B4-BE49-F238E27FC236}">
+                  <a16:creationId xmlns:a16="http://schemas.microsoft.com/office/drawing/2014/main" id="{4EA5EBB7-68D9-5C27-8971-C58931043AB0}"/>
+                </a:ext>
+              </a:extLst>
+            </p:cNvPr>
+            <p:cNvSpPr txBox="1"/>
+            <p:nvPr/>
+          </p:nvSpPr>
+          <p:spPr>
+            <a:xfrm>
+              <a:off x="4346126" y="6301065"/>
+              <a:ext cx="2898939" cy="260080"/>
+            </a:xfrm>
+            <a:prstGeom prst="rect">
+              <a:avLst/>
+            </a:prstGeom>
+            <a:noFill/>
+            <a:ln>
+              <a:noFill/>
+            </a:ln>
+          </p:spPr>
+          <p:txBody>
+            <a:bodyPr spcFirstLastPara="1" wrap="square" lIns="91425" tIns="45700" rIns="91425" bIns="45700" anchor="t" anchorCtr="0">
+              <a:noAutofit/>
+            </a:bodyPr>
+            <a:lstStyle/>
+            <a:p>
+              <a:pPr marL="0" marR="0" lvl="0" indent="0" algn="ctr" rtl="0">
+                <a:lnSpc>
+                  <a:spcPct val="90000"/>
+                </a:lnSpc>
+                <a:spcBef>
+                  <a:spcPts val="0"/>
+                </a:spcBef>
+                <a:spcAft>
+                  <a:spcPts val="0"/>
+                </a:spcAft>
+                <a:buClr>
+                  <a:schemeClr val="lt1"/>
+                </a:buClr>
+                <a:buSzPts val="4000"/>
+                <a:buFont typeface="Lexend"/>
+                <a:buNone/>
+              </a:pPr>
+              <a:r>
+                <a:rPr lang="en-US" sz="1100" b="1" i="0" u="none" strike="noStrike" cap="none" dirty="0">
+                  <a:solidFill>
+                    <a:srgbClr val="00DBE9"/>
+                  </a:solidFill>
+                  <a:latin typeface="+mn-lt"/>
+                  <a:ea typeface="Lexend"/>
+                  <a:cs typeface="+mn-cs"/>
+                  <a:sym typeface="Lexend"/>
+                  <a:hlinkClick r:id="rId3">
+                    <a:extLst>
+                      <a:ext uri="{A12FA001-AC4F-418D-AE19-62706E023703}">
+                        <ahyp:hlinkClr xmlns:ahyp="http://schemas.microsoft.com/office/drawing/2018/hyperlinkcolor" val="tx"/>
+                      </a:ext>
+                    </a:extLst>
+                  </a:hlinkClick>
+                </a:rPr>
+                <a:t>WWW.SELACLOUD.COM</a:t>
+              </a:r>
+              <a:endParaRPr sz="1100" dirty="0">
+                <a:solidFill>
+                  <a:srgbClr val="00DBE9"/>
+                </a:solidFill>
+                <a:latin typeface="+mn-lt"/>
+                <a:cs typeface="+mn-cs"/>
+              </a:endParaRPr>
+            </a:p>
+            <a:p>
+              <a:pPr marL="0" marR="0" lvl="0" indent="0" algn="ctr" rtl="0">
+                <a:lnSpc>
+                  <a:spcPct val="90000"/>
+                </a:lnSpc>
+                <a:spcBef>
+                  <a:spcPts val="0"/>
+                </a:spcBef>
+                <a:spcAft>
+                  <a:spcPts val="0"/>
+                </a:spcAft>
+                <a:buClr>
+                  <a:schemeClr val="lt1"/>
+                </a:buClr>
+                <a:buSzPts val="4000"/>
+                <a:buFont typeface="Noto Sans Hebrew"/>
+                <a:buNone/>
+              </a:pPr>
+              <a:endParaRPr sz="1100" b="1" i="0" u="none" strike="noStrike" cap="none" dirty="0">
+                <a:solidFill>
+                  <a:srgbClr val="00DBE9"/>
+                </a:solidFill>
+                <a:latin typeface="Lexend Light" pitchFamily="2" charset="0"/>
+                <a:ea typeface="Lexend"/>
+                <a:cs typeface="Lexend"/>
+                <a:sym typeface="Lexend"/>
+              </a:endParaRPr>
+            </a:p>
+          </p:txBody>
+        </p:sp>
+        <p:grpSp>
+          <p:nvGrpSpPr>
+            <p:cNvPr id="28" name="Group 27">
+              <a:extLst>
+                <a:ext uri="{FF2B5EF4-FFF2-40B4-BE49-F238E27FC236}">
+                  <a16:creationId xmlns:a16="http://schemas.microsoft.com/office/drawing/2014/main" id="{60FDA890-33F8-40FC-59E2-9BD7B4CF4B60}"/>
+                </a:ext>
+              </a:extLst>
+            </p:cNvPr>
+            <p:cNvGrpSpPr/>
+            <p:nvPr/>
+          </p:nvGrpSpPr>
+          <p:grpSpPr>
+            <a:xfrm>
+              <a:off x="5196988" y="6503312"/>
+              <a:ext cx="1188416" cy="232818"/>
+              <a:chOff x="5196988" y="6503312"/>
+              <a:chExt cx="1188416" cy="232818"/>
+            </a:xfrm>
+          </p:grpSpPr>
+          <p:pic>
+            <p:nvPicPr>
+              <p:cNvPr id="29" name="Picture 28" descr="Icon&#10;&#10;Description automatically generated">
+                <a:hlinkClick r:id="rId4"/>
+                <a:extLst>
+                  <a:ext uri="{FF2B5EF4-FFF2-40B4-BE49-F238E27FC236}">
+                    <a16:creationId xmlns:a16="http://schemas.microsoft.com/office/drawing/2014/main" id="{64501E28-0CD7-BEAB-240F-3FE7691367B8}"/>
+                  </a:ext>
+                </a:extLst>
+              </p:cNvPr>
+              <p:cNvPicPr>
+                <a:picLocks noChangeAspect="1"/>
+              </p:cNvPicPr>
+              <p:nvPr/>
+            </p:nvPicPr>
+            <p:blipFill>
+              <a:blip r:embed="rId5"/>
+              <a:stretch>
+                <a:fillRect/>
+              </a:stretch>
+            </p:blipFill>
+            <p:spPr>
+              <a:xfrm>
+                <a:off x="5407162" y="6503312"/>
+                <a:ext cx="338919" cy="232817"/>
+              </a:xfrm>
+              <a:prstGeom prst="rect">
+                <a:avLst/>
+              </a:prstGeom>
+            </p:spPr>
+          </p:pic>
+          <p:pic>
+            <p:nvPicPr>
+              <p:cNvPr id="30" name="Picture 29" descr="Logo, icon&#10;&#10;Description automatically generated">
+                <a:hlinkClick r:id="rId6"/>
+                <a:extLst>
+                  <a:ext uri="{FF2B5EF4-FFF2-40B4-BE49-F238E27FC236}">
+                    <a16:creationId xmlns:a16="http://schemas.microsoft.com/office/drawing/2014/main" id="{4D899894-16A2-81DC-1AC3-0E3C481677CD}"/>
+                  </a:ext>
+                </a:extLst>
+              </p:cNvPr>
+              <p:cNvPicPr>
+                <a:picLocks noChangeAspect="1"/>
+              </p:cNvPicPr>
+              <p:nvPr/>
+            </p:nvPicPr>
+            <p:blipFill>
+              <a:blip r:embed="rId7"/>
+              <a:stretch>
+                <a:fillRect/>
+              </a:stretch>
+            </p:blipFill>
+            <p:spPr>
+              <a:xfrm>
+                <a:off x="5837917" y="6503313"/>
+                <a:ext cx="338919" cy="232817"/>
+              </a:xfrm>
+              <a:prstGeom prst="rect">
+                <a:avLst/>
+              </a:prstGeom>
+            </p:spPr>
+          </p:pic>
+          <p:pic>
+            <p:nvPicPr>
+              <p:cNvPr id="31" name="Picture 30" descr="Logo&#10;&#10;Description automatically generated">
+                <a:hlinkClick r:id="rId8"/>
+                <a:extLst>
+                  <a:ext uri="{FF2B5EF4-FFF2-40B4-BE49-F238E27FC236}">
+                    <a16:creationId xmlns:a16="http://schemas.microsoft.com/office/drawing/2014/main" id="{6DECAAD2-14ED-D62E-83E5-01D62FD73E58}"/>
+                  </a:ext>
+                </a:extLst>
+              </p:cNvPr>
+              <p:cNvPicPr>
+                <a:picLocks noChangeAspect="1"/>
+              </p:cNvPicPr>
+              <p:nvPr/>
+            </p:nvPicPr>
+            <p:blipFill>
+              <a:blip r:embed="rId9"/>
+              <a:stretch>
+                <a:fillRect/>
+              </a:stretch>
+            </p:blipFill>
+            <p:spPr>
+              <a:xfrm>
+                <a:off x="6046485" y="6503313"/>
+                <a:ext cx="338919" cy="232817"/>
+              </a:xfrm>
+              <a:prstGeom prst="rect">
+                <a:avLst/>
+              </a:prstGeom>
+            </p:spPr>
+          </p:pic>
+          <p:pic>
+            <p:nvPicPr>
+              <p:cNvPr id="32" name="Picture 31" descr="Icon&#10;&#10;Description automatically generated">
+                <a:hlinkClick r:id="rId10"/>
+                <a:extLst>
+                  <a:ext uri="{FF2B5EF4-FFF2-40B4-BE49-F238E27FC236}">
+                    <a16:creationId xmlns:a16="http://schemas.microsoft.com/office/drawing/2014/main" id="{DC102836-817A-8573-C7AB-C2724E6E5F1C}"/>
+                  </a:ext>
+                </a:extLst>
+              </p:cNvPr>
+              <p:cNvPicPr>
+                <a:picLocks noChangeAspect="1"/>
+              </p:cNvPicPr>
+              <p:nvPr/>
+            </p:nvPicPr>
+            <p:blipFill>
+              <a:blip r:embed="rId11"/>
+              <a:stretch>
+                <a:fillRect/>
+              </a:stretch>
+            </p:blipFill>
+            <p:spPr>
+              <a:xfrm>
+                <a:off x="5196988" y="6503312"/>
+                <a:ext cx="338919" cy="232817"/>
+              </a:xfrm>
+              <a:prstGeom prst="rect">
+                <a:avLst/>
+              </a:prstGeom>
+            </p:spPr>
+          </p:pic>
+          <p:pic>
+            <p:nvPicPr>
+              <p:cNvPr id="33" name="Picture 32" descr="Icon&#10;&#10;Description automatically generated">
+                <a:hlinkClick r:id="rId12"/>
+                <a:extLst>
+                  <a:ext uri="{FF2B5EF4-FFF2-40B4-BE49-F238E27FC236}">
+                    <a16:creationId xmlns:a16="http://schemas.microsoft.com/office/drawing/2014/main" id="{F46B6109-4740-9E76-5C84-B96F79785CAF}"/>
+                  </a:ext>
+                </a:extLst>
+              </p:cNvPr>
+              <p:cNvPicPr>
+                <a:picLocks noChangeAspect="1"/>
+              </p:cNvPicPr>
+              <p:nvPr/>
+            </p:nvPicPr>
+            <p:blipFill>
+              <a:blip r:embed="rId13"/>
+              <a:stretch>
+                <a:fillRect/>
+              </a:stretch>
+            </p:blipFill>
+            <p:spPr>
+              <a:xfrm>
+                <a:off x="5626137" y="6503312"/>
+                <a:ext cx="338919" cy="232817"/>
+              </a:xfrm>
+              <a:prstGeom prst="rect">
+                <a:avLst/>
+              </a:prstGeom>
+            </p:spPr>
+          </p:pic>
+        </p:grpSp>
+      </p:grpSp>
     </p:spTree>
-    <p:extLst>
-      <p:ext uri="{BB962C8B-B14F-4D97-AF65-F5344CB8AC3E}">
-        <p14:creationId xmlns:p14="http://schemas.microsoft.com/office/powerpoint/2010/main" val="2844620833"/>
-      </p:ext>
-    </p:extLst>
   </p:cSld>
   <p:clrMapOvr>
     <a:masterClrMapping/>
   </p:clrMapOvr>
+  <mc:AlternateContent xmlns:mc="http://schemas.openxmlformats.org/markup-compatibility/2006" xmlns:p14="http://schemas.microsoft.com/office/powerpoint/2010/main">
+    <mc:Choice Requires="p14">
+      <p:transition spd="slow" p14:dur="2000" advTm="2283"/>
+    </mc:Choice>
+    <mc:Fallback xmlns="">
+      <p:transition spd="slow" advTm="2283"/>
+    </mc:Fallback>
+  </mc:AlternateContent>
 </p:sld>
 </file>
 
 <file path=ppt/slides/slide10.xml><?xml version="1.0" encoding="utf-8"?>
 <p:sld xmlns:a="http://schemas.openxmlformats.org/drawingml/2006/main" xmlns:r="http://schemas.openxmlformats.org/officeDocument/2006/relationships" xmlns:p="http://schemas.openxmlformats.org/presentationml/2006/main">
   <p:cSld>
+    <p:bg>
+      <p:bgPr>
+        <a:blipFill dpi="0" rotWithShape="1">
+          <a:blip r:embed="rId3">
+            <a:lum/>
+          </a:blip>
+          <a:srcRect/>
+          <a:stretch>
+            <a:fillRect/>
+          </a:stretch>
+        </a:blipFill>
+        <a:effectLst/>
+      </p:bgPr>
+    </p:bg>
     <p:spTree>
       <p:nvGrpSpPr>
         <p:cNvPr id="1" name=""/>
@@ -7355,27 +7671,30 @@
           <a:lstStyle/>
           <a:p>
             <a:r>
-              <a:rPr lang="en-US" b="0" i="0" dirty="0" err="1">
-                <a:solidFill>
-                  <a:srgbClr val="000000"/>
-                </a:solidFill>
-                <a:effectLst/>
-                <a:latin typeface="+mn-lt"/>
+              <a:rPr lang="en-US" b="1" i="0" dirty="0" err="1">
+                <a:solidFill>
+                  <a:srgbClr val="0071F6"/>
+                </a:solidFill>
+                <a:effectLst/>
+                <a:latin typeface="Lexend" panose="020B0604020202020204"/>
               </a:rPr>
               <a:t>Popen</a:t>
             </a:r>
             <a:r>
-              <a:rPr lang="en-US" b="0" i="0" dirty="0">
-                <a:solidFill>
-                  <a:srgbClr val="000000"/>
-                </a:solidFill>
-                <a:effectLst/>
-                <a:latin typeface="+mn-lt"/>
+              <a:rPr lang="en-US" b="1" i="0" dirty="0">
+                <a:solidFill>
+                  <a:srgbClr val="0071F6"/>
+                </a:solidFill>
+                <a:effectLst/>
+                <a:latin typeface="Lexend" panose="020B0604020202020204"/>
               </a:rPr>
               <a:t> class — cont’d</a:t>
             </a:r>
-            <a:endParaRPr lang="en-US" dirty="0">
-              <a:latin typeface="+mn-lt"/>
+            <a:endParaRPr lang="en-US" b="1" dirty="0">
+              <a:solidFill>
+                <a:srgbClr val="0071F6"/>
+              </a:solidFill>
+              <a:latin typeface="Lexend" panose="020B0604020202020204"/>
               <a:cs typeface="Calibri" panose="020F0502020204030204" pitchFamily="34" charset="0"/>
             </a:endParaRPr>
           </a:p>
@@ -7419,6 +7738,7 @@
                   <a:srgbClr val="000000"/>
                 </a:solidFill>
                 <a:effectLst/>
+                <a:latin typeface="Lexend Light"/>
               </a:rPr>
               <a:t>The most common </a:t>
             </a:r>
@@ -7428,6 +7748,7 @@
                   <a:srgbClr val="000000"/>
                 </a:solidFill>
                 <a:effectLst/>
+                <a:latin typeface="Lexend Light"/>
               </a:rPr>
               <a:t>Popen</a:t>
             </a:r>
@@ -7437,6 +7758,7 @@
                   <a:srgbClr val="000000"/>
                 </a:solidFill>
                 <a:effectLst/>
+                <a:latin typeface="Lexend Light"/>
               </a:rPr>
               <a:t> constructor arguments (like in call and </a:t>
             </a:r>
@@ -7446,6 +7768,7 @@
                   <a:srgbClr val="000000"/>
                 </a:solidFill>
                 <a:effectLst/>
+                <a:latin typeface="Lexend Light"/>
               </a:rPr>
               <a:t>check_output</a:t>
             </a:r>
@@ -7455,6 +7778,7 @@
                   <a:srgbClr val="000000"/>
                 </a:solidFill>
                 <a:effectLst/>
+                <a:latin typeface="Lexend Light"/>
               </a:rPr>
               <a:t> functions) are: </a:t>
             </a:r>
@@ -7467,6 +7791,7 @@
                   <a:srgbClr val="000000"/>
                 </a:solidFill>
                 <a:effectLst/>
+                <a:latin typeface="Lexend Light"/>
               </a:rPr>
               <a:t>— </a:t>
             </a:r>
@@ -7476,6 +7801,7 @@
                   <a:srgbClr val="000000"/>
                 </a:solidFill>
                 <a:effectLst/>
+                <a:latin typeface="Lexend Light"/>
               </a:rPr>
               <a:t>args</a:t>
             </a:r>
@@ -7485,6 +7811,7 @@
                   <a:srgbClr val="000000"/>
                 </a:solidFill>
                 <a:effectLst/>
+                <a:latin typeface="Lexend Light"/>
               </a:rPr>
               <a:t> </a:t>
             </a:r>
@@ -7497,6 +7824,7 @@
                   <a:srgbClr val="000000"/>
                 </a:solidFill>
                 <a:effectLst/>
+                <a:latin typeface="Lexend Light"/>
               </a:rPr>
               <a:t>— shell </a:t>
             </a:r>
@@ -7509,6 +7837,7 @@
                   <a:srgbClr val="000000"/>
                 </a:solidFill>
                 <a:effectLst/>
+                <a:latin typeface="Lexend Light"/>
               </a:rPr>
               <a:t>— stdin, </a:t>
             </a:r>
@@ -7518,6 +7847,7 @@
                   <a:srgbClr val="000000"/>
                 </a:solidFill>
                 <a:effectLst/>
+                <a:latin typeface="Lexend Light"/>
               </a:rPr>
               <a:t>stdout</a:t>
             </a:r>
@@ -7527,6 +7857,7 @@
                   <a:srgbClr val="000000"/>
                 </a:solidFill>
                 <a:effectLst/>
+                <a:latin typeface="Lexend Light"/>
               </a:rPr>
               <a:t>, stderr: </a:t>
             </a:r>
@@ -7542,6 +7873,7 @@
                   <a:srgbClr val="000000"/>
                 </a:solidFill>
                 <a:effectLst/>
+                <a:latin typeface="Lexend Light"/>
               </a:rPr>
               <a:t>Existing file descriptor </a:t>
             </a:r>
@@ -7557,10 +7889,12 @@
                   <a:srgbClr val="000000"/>
                 </a:solidFill>
                 <a:effectLst/>
+                <a:latin typeface="Lexend Light"/>
               </a:rPr>
               <a:t>PIPE - indicates that a new pipe to the child will be created</a:t>
             </a:r>
             <a:endParaRPr lang="en-GB" sz="3200" dirty="0">
+              <a:latin typeface="Lexend Light"/>
               <a:cs typeface="Calibri" panose="020F0502020204030204" pitchFamily="34" charset="0"/>
             </a:endParaRPr>
           </a:p>
@@ -7582,6 +7916,20 @@
 <file path=ppt/slides/slide11.xml><?xml version="1.0" encoding="utf-8"?>
 <p:sld xmlns:a="http://schemas.openxmlformats.org/drawingml/2006/main" xmlns:r="http://schemas.openxmlformats.org/officeDocument/2006/relationships" xmlns:p="http://schemas.openxmlformats.org/presentationml/2006/main">
   <p:cSld>
+    <p:bg>
+      <p:bgPr>
+        <a:blipFill dpi="0" rotWithShape="1">
+          <a:blip r:embed="rId2">
+            <a:lum/>
+          </a:blip>
+          <a:srcRect/>
+          <a:stretch>
+            <a:fillRect/>
+          </a:stretch>
+        </a:blipFill>
+        <a:effectLst/>
+      </p:bgPr>
+    </p:bg>
     <p:spTree>
       <p:nvGrpSpPr>
         <p:cNvPr id="1" name=""/>
@@ -7612,26 +7960,28 @@
           <a:lstStyle/>
           <a:p>
             <a:r>
-              <a:rPr lang="en-US" b="0" i="0" dirty="0" err="1">
+              <a:rPr lang="en-US" b="1" i="0" dirty="0" err="1">
                 <a:solidFill>
                   <a:srgbClr val="000000"/>
                 </a:solidFill>
                 <a:effectLst/>
-                <a:latin typeface="+mn-lt"/>
+                <a:latin typeface="Lexend Light"/>
               </a:rPr>
               <a:t>Popen</a:t>
             </a:r>
             <a:r>
-              <a:rPr lang="en-US" b="0" i="0" dirty="0">
+              <a:rPr lang="en-US" b="1" i="0" dirty="0">
                 <a:solidFill>
                   <a:srgbClr val="000000"/>
                 </a:solidFill>
                 <a:effectLst/>
-                <a:latin typeface="+mn-lt"/>
+                <a:latin typeface="Lexend Light"/>
               </a:rPr>
               <a:t> class</a:t>
             </a:r>
-            <a:endParaRPr lang="he-IL" dirty="0"/>
+            <a:endParaRPr lang="he-IL" b="1" dirty="0">
+              <a:latin typeface="Lexend Light"/>
+            </a:endParaRPr>
           </a:p>
         </p:txBody>
       </p:sp>
@@ -7651,6 +8001,20 @@
 <file path=ppt/slides/slide12.xml><?xml version="1.0" encoding="utf-8"?>
 <p:sld xmlns:a="http://schemas.openxmlformats.org/drawingml/2006/main" xmlns:r="http://schemas.openxmlformats.org/officeDocument/2006/relationships" xmlns:p="http://schemas.openxmlformats.org/presentationml/2006/main">
   <p:cSld>
+    <p:bg>
+      <p:bgPr>
+        <a:blipFill dpi="0" rotWithShape="1">
+          <a:blip r:embed="rId3">
+            <a:lum/>
+          </a:blip>
+          <a:srcRect/>
+          <a:stretch>
+            <a:fillRect/>
+          </a:stretch>
+        </a:blipFill>
+        <a:effectLst/>
+      </p:bgPr>
+    </p:bg>
     <p:spTree>
       <p:nvGrpSpPr>
         <p:cNvPr id="1" name=""/>
@@ -7683,27 +8047,27 @@
           <a:lstStyle/>
           <a:p>
             <a:r>
-              <a:rPr lang="en-US" b="0" i="0" dirty="0" err="1">
+              <a:rPr lang="en-US" b="1" i="0" dirty="0" err="1">
                 <a:solidFill>
                   <a:srgbClr val="000000"/>
                 </a:solidFill>
                 <a:effectLst/>
-                <a:latin typeface="+mn-lt"/>
+                <a:latin typeface="Lexend Light"/>
               </a:rPr>
               <a:t>Popen</a:t>
             </a:r>
             <a:r>
-              <a:rPr lang="en-US" b="0" i="0" dirty="0">
+              <a:rPr lang="en-US" b="1" i="0" dirty="0">
                 <a:solidFill>
                   <a:srgbClr val="000000"/>
                 </a:solidFill>
                 <a:effectLst/>
-                <a:latin typeface="+mn-lt"/>
+                <a:latin typeface="Lexend Light"/>
               </a:rPr>
               <a:t> example</a:t>
             </a:r>
-            <a:endParaRPr lang="en-US" dirty="0">
-              <a:latin typeface="+mn-lt"/>
+            <a:endParaRPr lang="en-US" b="1" dirty="0">
+              <a:latin typeface="Lexend Light"/>
               <a:cs typeface="Calibri" panose="020F0502020204030204" pitchFamily="34" charset="0"/>
             </a:endParaRPr>
           </a:p>
@@ -8623,6 +8987,20 @@
 <file path=ppt/slides/slide13.xml><?xml version="1.0" encoding="utf-8"?>
 <p:sld xmlns:a="http://schemas.openxmlformats.org/drawingml/2006/main" xmlns:r="http://schemas.openxmlformats.org/officeDocument/2006/relationships" xmlns:p="http://schemas.openxmlformats.org/presentationml/2006/main">
   <p:cSld>
+    <p:bg>
+      <p:bgPr>
+        <a:blipFill dpi="0" rotWithShape="1">
+          <a:blip r:embed="rId3">
+            <a:lum/>
+          </a:blip>
+          <a:srcRect/>
+          <a:stretch>
+            <a:fillRect/>
+          </a:stretch>
+        </a:blipFill>
+        <a:effectLst/>
+      </p:bgPr>
+    </p:bg>
     <p:spTree>
       <p:nvGrpSpPr>
         <p:cNvPr id="1" name=""/>
@@ -8655,27 +9033,27 @@
           <a:lstStyle/>
           <a:p>
             <a:r>
-              <a:rPr lang="en-US" b="0" i="0" dirty="0" err="1">
+              <a:rPr lang="en-US" b="1" i="0" dirty="0" err="1">
                 <a:solidFill>
                   <a:srgbClr val="000000"/>
                 </a:solidFill>
                 <a:effectLst/>
-                <a:latin typeface="+mn-lt"/>
+                <a:latin typeface="Lexend Light"/>
               </a:rPr>
               <a:t>Popen</a:t>
             </a:r>
             <a:r>
-              <a:rPr lang="en-US" b="0" i="0" dirty="0">
+              <a:rPr lang="en-US" b="1" i="0" dirty="0">
                 <a:solidFill>
                   <a:srgbClr val="000000"/>
                 </a:solidFill>
                 <a:effectLst/>
-                <a:latin typeface="+mn-lt"/>
+                <a:latin typeface="Lexend Light"/>
               </a:rPr>
               <a:t> with PIPE example</a:t>
             </a:r>
-            <a:endParaRPr lang="en-US" dirty="0">
-              <a:latin typeface="+mn-lt"/>
+            <a:endParaRPr lang="en-US" b="1" dirty="0">
+              <a:latin typeface="Lexend Light"/>
               <a:cs typeface="Calibri" panose="020F0502020204030204" pitchFamily="34" charset="0"/>
             </a:endParaRPr>
           </a:p>
@@ -9894,6 +10272,20 @@
 <file path=ppt/slides/slide14.xml><?xml version="1.0" encoding="utf-8"?>
 <p:sld xmlns:a="http://schemas.openxmlformats.org/drawingml/2006/main" xmlns:r="http://schemas.openxmlformats.org/officeDocument/2006/relationships" xmlns:p="http://schemas.openxmlformats.org/presentationml/2006/main">
   <p:cSld>
+    <p:bg>
+      <p:bgPr>
+        <a:blipFill dpi="0" rotWithShape="1">
+          <a:blip r:embed="rId2">
+            <a:lum/>
+          </a:blip>
+          <a:srcRect/>
+          <a:stretch>
+            <a:fillRect/>
+          </a:stretch>
+        </a:blipFill>
+        <a:effectLst/>
+      </p:bgPr>
+    </p:bg>
     <p:spTree>
       <p:nvGrpSpPr>
         <p:cNvPr id="1" name=""/>
@@ -9924,10 +10316,14 @@
           <a:lstStyle/>
           <a:p>
             <a:r>
-              <a:rPr lang="en-US" dirty="0"/>
+              <a:rPr lang="en-US" b="1" dirty="0">
+                <a:latin typeface="Lexend Light"/>
+              </a:rPr>
               <a:t>Lab 02</a:t>
             </a:r>
-            <a:endParaRPr lang="he-IL" dirty="0"/>
+            <a:endParaRPr lang="he-IL" b="1" dirty="0">
+              <a:latin typeface="Lexend Light"/>
+            </a:endParaRPr>
           </a:p>
         </p:txBody>
       </p:sp>
@@ -9947,6 +10343,20 @@
 <file path=ppt/slides/slide15.xml><?xml version="1.0" encoding="utf-8"?>
 <p:sld xmlns:a="http://schemas.openxmlformats.org/drawingml/2006/main" xmlns:r="http://schemas.openxmlformats.org/officeDocument/2006/relationships" xmlns:p="http://schemas.openxmlformats.org/presentationml/2006/main">
   <p:cSld>
+    <p:bg>
+      <p:bgPr>
+        <a:blipFill dpi="0" rotWithShape="1">
+          <a:blip r:embed="rId2">
+            <a:lum/>
+          </a:blip>
+          <a:srcRect/>
+          <a:stretch>
+            <a:fillRect/>
+          </a:stretch>
+        </a:blipFill>
+        <a:effectLst/>
+      </p:bgPr>
+    </p:bg>
     <p:spTree>
       <p:nvGrpSpPr>
         <p:cNvPr id="1" name=""/>
@@ -9977,6 +10387,20 @@
 <file path=ppt/slides/slide2.xml><?xml version="1.0" encoding="utf-8"?>
 <p:sld xmlns:a="http://schemas.openxmlformats.org/drawingml/2006/main" xmlns:r="http://schemas.openxmlformats.org/officeDocument/2006/relationships" xmlns:p="http://schemas.openxmlformats.org/presentationml/2006/main">
   <p:cSld>
+    <p:bg>
+      <p:bgPr>
+        <a:blipFill dpi="0" rotWithShape="1">
+          <a:blip r:embed="rId3">
+            <a:lum/>
+          </a:blip>
+          <a:srcRect/>
+          <a:stretch>
+            <a:fillRect/>
+          </a:stretch>
+        </a:blipFill>
+        <a:effectLst/>
+      </p:bgPr>
+    </p:bg>
     <p:spTree>
       <p:nvGrpSpPr>
         <p:cNvPr id="1" name=""/>
@@ -10001,28 +10425,31 @@
             <p:ph type="title"/>
           </p:nvPr>
         </p:nvSpPr>
-        <p:spPr/>
+        <p:spPr>
+          <a:xfrm>
+            <a:off x="838200" y="498290"/>
+            <a:ext cx="10515600" cy="806727"/>
+          </a:xfrm>
+        </p:spPr>
         <p:txBody>
           <a:bodyPr/>
           <a:lstStyle/>
           <a:p>
             <a:r>
-              <a:rPr lang="en-US" b="0" i="0" dirty="0">
-                <a:solidFill>
-                  <a:srgbClr val="000000"/>
-                </a:solidFill>
-                <a:effectLst/>
-                <a:latin typeface="+mn-lt"/>
+              <a:rPr lang="en-US" b="1" i="0" dirty="0">
+                <a:solidFill>
+                  <a:srgbClr val="0071F6"/>
+                </a:solidFill>
+                <a:effectLst/>
+                <a:latin typeface="Lexend" panose="020B0604020202020204"/>
               </a:rPr>
               <a:t>The subprocess module </a:t>
             </a:r>
-            <a:br>
-              <a:rPr lang="en-US" dirty="0">
-                <a:latin typeface="+mn-lt"/>
-              </a:rPr>
-            </a:br>
-            <a:endParaRPr lang="he-IL" dirty="0">
-              <a:latin typeface="+mn-lt"/>
+            <a:endParaRPr lang="he-IL" b="1" dirty="0">
+              <a:solidFill>
+                <a:srgbClr val="0071F6"/>
+              </a:solidFill>
+              <a:latin typeface="Lexend" panose="020B0604020202020204"/>
             </a:endParaRPr>
           </a:p>
         </p:txBody>
@@ -10056,6 +10483,7 @@
                   <a:srgbClr val="000000"/>
                 </a:solidFill>
                 <a:effectLst/>
+                <a:latin typeface="Lexend Light"/>
               </a:rPr>
               <a:t>The subprocess module provides a consistent interface to creating and working with additional processes. </a:t>
             </a:r>
@@ -10067,6 +10495,7 @@
                 <a:srgbClr val="000000"/>
               </a:solidFill>
               <a:effectLst/>
+              <a:latin typeface="Lexend Light"/>
             </a:endParaRPr>
           </a:p>
           <a:p>
@@ -10077,6 +10506,7 @@
                   <a:srgbClr val="000000"/>
                 </a:solidFill>
                 <a:effectLst/>
+                <a:latin typeface="Lexend Light"/>
               </a:rPr>
               <a:t>The subprocess module has a wide functionality for running additional processes, controlling their </a:t>
             </a:r>
@@ -10086,6 +10516,7 @@
                   <a:srgbClr val="000000"/>
                 </a:solidFill>
                 <a:effectLst/>
+                <a:latin typeface="Lexend Light"/>
               </a:rPr>
               <a:t>lO</a:t>
             </a:r>
@@ -10095,6 +10526,7 @@
                   <a:srgbClr val="000000"/>
                 </a:solidFill>
                 <a:effectLst/>
+                <a:latin typeface="Lexend Light"/>
               </a:rPr>
               <a:t>, including shell feathers like wildcards, pipes, redirections</a:t>
             </a:r>
@@ -10106,6 +10538,7 @@
                 <a:srgbClr val="000000"/>
               </a:solidFill>
               <a:effectLst/>
+              <a:latin typeface="Lexend Light"/>
             </a:endParaRPr>
           </a:p>
           <a:p>
@@ -10116,6 +10549,7 @@
                   <a:srgbClr val="000000"/>
                 </a:solidFill>
                 <a:effectLst/>
+                <a:latin typeface="Lexend Light"/>
               </a:rPr>
               <a:t> The subprocess module is an updated module for old and | [ deprecated functionality with the same purpose like: - </a:t>
             </a:r>
@@ -10125,6 +10559,7 @@
                   <a:srgbClr val="000000"/>
                 </a:solidFill>
                 <a:effectLst/>
+                <a:latin typeface="Lexend Light"/>
               </a:rPr>
               <a:t>os.system</a:t>
             </a:r>
@@ -10134,6 +10569,7 @@
                   <a:srgbClr val="000000"/>
                 </a:solidFill>
                 <a:effectLst/>
+                <a:latin typeface="Lexend Light"/>
               </a:rPr>
               <a:t>(), </a:t>
             </a:r>
@@ -10143,6 +10579,7 @@
                   <a:srgbClr val="000000"/>
                 </a:solidFill>
                 <a:effectLst/>
+                <a:latin typeface="Lexend Light"/>
               </a:rPr>
               <a:t>os.spawn</a:t>
             </a:r>
@@ -10152,6 +10589,7 @@
                   <a:srgbClr val="000000"/>
                 </a:solidFill>
                 <a:effectLst/>
+                <a:latin typeface="Lexend Light"/>
               </a:rPr>
               <a:t>*(), </a:t>
             </a:r>
@@ -10161,6 +10599,7 @@
                   <a:srgbClr val="000000"/>
                 </a:solidFill>
                 <a:effectLst/>
+                <a:latin typeface="Lexend Light"/>
               </a:rPr>
               <a:t>os.popen</a:t>
             </a:r>
@@ -10170,6 +10609,7 @@
                   <a:srgbClr val="000000"/>
                 </a:solidFill>
                 <a:effectLst/>
+                <a:latin typeface="Lexend Light"/>
               </a:rPr>
               <a:t>*() ...</a:t>
             </a:r>
@@ -10178,6 +10618,7 @@
                 <a:srgbClr val="000000"/>
               </a:solidFill>
               <a:effectLst/>
+              <a:latin typeface="Lexend Light"/>
             </a:endParaRPr>
           </a:p>
         </p:txBody>
@@ -10197,7 +10638,7 @@
           <p:nvPr/>
         </p:nvPicPr>
         <p:blipFill>
-          <a:blip r:embed="rId3">
+          <a:blip r:embed="rId4">
             <a:extLst>
               <a:ext uri="{28A0092B-C50C-407E-A947-70E740481C1C}">
                 <a14:useLocalDpi xmlns:a14="http://schemas.microsoft.com/office/drawing/2010/main" val="0"/>
@@ -10245,6 +10686,20 @@
 <file path=ppt/slides/slide3.xml><?xml version="1.0" encoding="utf-8"?>
 <p:sld xmlns:a="http://schemas.openxmlformats.org/drawingml/2006/main" xmlns:r="http://schemas.openxmlformats.org/officeDocument/2006/relationships" xmlns:p="http://schemas.openxmlformats.org/presentationml/2006/main">
   <p:cSld>
+    <p:bg>
+      <p:bgPr>
+        <a:blipFill dpi="0" rotWithShape="1">
+          <a:blip r:embed="rId3">
+            <a:lum/>
+          </a:blip>
+          <a:srcRect/>
+          <a:stretch>
+            <a:fillRect/>
+          </a:stretch>
+        </a:blipFill>
+        <a:effectLst/>
+      </p:bgPr>
+    </p:bg>
     <p:spTree>
       <p:nvGrpSpPr>
         <p:cNvPr id="1" name=""/>
@@ -10277,17 +10732,20 @@
           <a:lstStyle/>
           <a:p>
             <a:r>
-              <a:rPr lang="en-US" b="0" i="0" dirty="0">
-                <a:solidFill>
-                  <a:srgbClr val="000000"/>
-                </a:solidFill>
-                <a:effectLst/>
-                <a:latin typeface="+mn-lt"/>
+              <a:rPr lang="en-US" b="1" i="0" dirty="0">
+                <a:solidFill>
+                  <a:srgbClr val="0071F6"/>
+                </a:solidFill>
+                <a:effectLst/>
+                <a:latin typeface="Lexend" panose="020B0604020202020204"/>
               </a:rPr>
               <a:t>The call function</a:t>
             </a:r>
-            <a:endParaRPr lang="he-IL" dirty="0">
-              <a:latin typeface="+mn-lt"/>
+            <a:endParaRPr lang="he-IL" b="1" dirty="0">
+              <a:solidFill>
+                <a:srgbClr val="0071F6"/>
+              </a:solidFill>
+              <a:latin typeface="Lexend" panose="020B0604020202020204"/>
             </a:endParaRPr>
           </a:p>
         </p:txBody>
@@ -10315,126 +10773,140 @@
           <a:lstStyle/>
           <a:p>
             <a:r>
-              <a:rPr lang="en-US" sz="4000" b="0" i="0" dirty="0" err="1">
+              <a:rPr lang="en-US" sz="3200" b="0" i="0" dirty="0" err="1">
                 <a:solidFill>
                   <a:srgbClr val="000000"/>
                 </a:solidFill>
                 <a:effectLst/>
+                <a:latin typeface="Lexend Light"/>
               </a:rPr>
               <a:t>subprocess.call</a:t>
             </a:r>
             <a:r>
-              <a:rPr lang="en-US" sz="4000" b="0" i="0" dirty="0">
+              <a:rPr lang="en-US" sz="3200" b="0" i="0" dirty="0">
                 <a:solidFill>
                   <a:srgbClr val="000000"/>
                 </a:solidFill>
                 <a:effectLst/>
+                <a:latin typeface="Lexend Light"/>
               </a:rPr>
               <a:t>(</a:t>
             </a:r>
             <a:r>
-              <a:rPr lang="en-US" sz="4000" b="0" i="0" dirty="0" err="1">
+              <a:rPr lang="en-US" sz="3200" b="0" i="0" dirty="0" err="1">
                 <a:solidFill>
                   <a:srgbClr val="000000"/>
                 </a:solidFill>
                 <a:effectLst/>
+                <a:latin typeface="Lexend Light"/>
               </a:rPr>
               <a:t>args</a:t>
             </a:r>
             <a:r>
-              <a:rPr lang="en-US" sz="4000" b="0" i="0" dirty="0">
+              <a:rPr lang="en-US" sz="3200" b="0" i="0" dirty="0">
                 <a:solidFill>
                   <a:srgbClr val="000000"/>
                 </a:solidFill>
                 <a:effectLst/>
+                <a:latin typeface="Lexend Light"/>
               </a:rPr>
               <a:t>, stdin=None, </a:t>
             </a:r>
             <a:r>
-              <a:rPr lang="en-US" sz="4000" b="0" i="0" dirty="0" err="1">
+              <a:rPr lang="en-US" sz="3200" b="0" i="0" dirty="0" err="1">
                 <a:solidFill>
                   <a:srgbClr val="000000"/>
                 </a:solidFill>
                 <a:effectLst/>
+                <a:latin typeface="Lexend Light"/>
               </a:rPr>
               <a:t>stdout</a:t>
             </a:r>
             <a:r>
-              <a:rPr lang="en-US" sz="4000" b="0" i="0" dirty="0">
+              <a:rPr lang="en-US" sz="3200" b="0" i="0" dirty="0">
                 <a:solidFill>
                   <a:srgbClr val="000000"/>
                 </a:solidFill>
                 <a:effectLst/>
+                <a:latin typeface="Lexend Light"/>
               </a:rPr>
               <a:t>=None, stderr=None, shell=False, </a:t>
             </a:r>
             <a:r>
-              <a:rPr lang="en-US" sz="4000" b="0" i="0" dirty="0" err="1">
+              <a:rPr lang="en-US" sz="3200" b="0" i="0" dirty="0" err="1">
                 <a:solidFill>
                   <a:srgbClr val="000000"/>
                 </a:solidFill>
                 <a:effectLst/>
+                <a:latin typeface="Lexend Light"/>
               </a:rPr>
               <a:t>cwd</a:t>
             </a:r>
             <a:r>
-              <a:rPr lang="en-US" sz="4000" b="0" i="0" dirty="0">
+              <a:rPr lang="en-US" sz="3200" b="0" i="0" dirty="0">
                 <a:solidFill>
                   <a:srgbClr val="000000"/>
                 </a:solidFill>
                 <a:effectLst/>
+                <a:latin typeface="Lexend Light"/>
               </a:rPr>
               <a:t>=None, timeout=None) </a:t>
             </a:r>
           </a:p>
           <a:p>
-            <a:endParaRPr lang="en-US" sz="4000" dirty="0">
+            <a:endParaRPr lang="en-US" sz="3200" dirty="0">
               <a:solidFill>
                 <a:srgbClr val="000000"/>
               </a:solidFill>
+              <a:latin typeface="Lexend Light"/>
             </a:endParaRPr>
           </a:p>
           <a:p>
             <a:r>
-              <a:rPr lang="en-US" sz="4000" b="0" i="0" dirty="0">
+              <a:rPr lang="en-US" sz="3200" b="0" i="0" dirty="0">
                 <a:solidFill>
                   <a:srgbClr val="000000"/>
                 </a:solidFill>
                 <a:effectLst/>
+                <a:latin typeface="Lexend Light"/>
               </a:rPr>
               <a:t>Run the command described by </a:t>
             </a:r>
             <a:r>
-              <a:rPr lang="en-US" sz="4000" b="0" i="0" dirty="0" err="1">
+              <a:rPr lang="en-US" sz="3200" b="0" i="0" dirty="0" err="1">
                 <a:solidFill>
                   <a:srgbClr val="000000"/>
                 </a:solidFill>
                 <a:effectLst/>
+                <a:latin typeface="Lexend Light"/>
               </a:rPr>
               <a:t>args</a:t>
             </a:r>
             <a:r>
-              <a:rPr lang="en-US" sz="4000" b="0" i="0" dirty="0">
+              <a:rPr lang="en-US" sz="3200" b="0" i="0" dirty="0">
                 <a:solidFill>
                   <a:srgbClr val="000000"/>
                 </a:solidFill>
                 <a:effectLst/>
+                <a:latin typeface="Lexend Light"/>
               </a:rPr>
               <a:t>. Wait for command to complete, then return the </a:t>
             </a:r>
             <a:r>
-              <a:rPr lang="en-US" sz="4000" b="0" i="0" dirty="0" err="1">
+              <a:rPr lang="en-US" sz="3200" b="0" i="0" dirty="0" err="1">
                 <a:solidFill>
                   <a:srgbClr val="000000"/>
                 </a:solidFill>
                 <a:effectLst/>
+                <a:latin typeface="Lexend Light"/>
               </a:rPr>
               <a:t>returncode</a:t>
             </a:r>
-            <a:endParaRPr lang="en-US" sz="4000" dirty="0">
+            <a:endParaRPr lang="en-US" sz="3200" dirty="0">
               <a:solidFill>
                 <a:srgbClr val="000000"/>
               </a:solidFill>
+              <a:latin typeface="Lexend Light"/>
             </a:endParaRPr>
           </a:p>
         </p:txBody>
@@ -10455,6 +10927,20 @@
 <file path=ppt/slides/slide4.xml><?xml version="1.0" encoding="utf-8"?>
 <p:sld xmlns:a="http://schemas.openxmlformats.org/drawingml/2006/main" xmlns:r="http://schemas.openxmlformats.org/officeDocument/2006/relationships" xmlns:p="http://schemas.openxmlformats.org/presentationml/2006/main">
   <p:cSld>
+    <p:bg>
+      <p:bgPr>
+        <a:blipFill dpi="0" rotWithShape="1">
+          <a:blip r:embed="rId2">
+            <a:lum/>
+          </a:blip>
+          <a:srcRect/>
+          <a:stretch>
+            <a:fillRect/>
+          </a:stretch>
+        </a:blipFill>
+        <a:effectLst/>
+      </p:bgPr>
+    </p:bg>
     <p:spTree>
       <p:nvGrpSpPr>
         <p:cNvPr id="1" name=""/>
@@ -10485,16 +10971,18 @@
           <a:lstStyle/>
           <a:p>
             <a:r>
-              <a:rPr lang="en-US" b="0" i="0" dirty="0">
+              <a:rPr lang="en-US" b="1" i="0" dirty="0">
                 <a:solidFill>
                   <a:srgbClr val="000000"/>
                 </a:solidFill>
                 <a:effectLst/>
-                <a:latin typeface="+mn-lt"/>
+                <a:latin typeface="Lexend Light"/>
               </a:rPr>
               <a:t>The call function example</a:t>
             </a:r>
-            <a:endParaRPr lang="he-IL" dirty="0"/>
+            <a:endParaRPr lang="he-IL" b="1" dirty="0">
+              <a:latin typeface="Lexend Light"/>
+            </a:endParaRPr>
           </a:p>
         </p:txBody>
       </p:sp>
@@ -10514,6 +11002,20 @@
 <file path=ppt/slides/slide5.xml><?xml version="1.0" encoding="utf-8"?>
 <p:sld xmlns:a="http://schemas.openxmlformats.org/drawingml/2006/main" xmlns:r="http://schemas.openxmlformats.org/officeDocument/2006/relationships" xmlns:p="http://schemas.openxmlformats.org/presentationml/2006/main">
   <p:cSld>
+    <p:bg>
+      <p:bgPr>
+        <a:blipFill dpi="0" rotWithShape="1">
+          <a:blip r:embed="rId2">
+            <a:lum/>
+          </a:blip>
+          <a:srcRect/>
+          <a:stretch>
+            <a:fillRect/>
+          </a:stretch>
+        </a:blipFill>
+        <a:effectLst/>
+      </p:bgPr>
+    </p:bg>
     <p:spTree>
       <p:nvGrpSpPr>
         <p:cNvPr id="1" name=""/>
@@ -10551,17 +11053,17 @@
           <a:lstStyle/>
           <a:p>
             <a:r>
-              <a:rPr lang="en-US" b="0" i="0" dirty="0">
+              <a:rPr lang="en-US" b="1" i="0" dirty="0">
                 <a:solidFill>
                   <a:srgbClr val="000000"/>
                 </a:solidFill>
                 <a:effectLst/>
-                <a:latin typeface="+mn-lt"/>
+                <a:latin typeface="Lexend Light"/>
               </a:rPr>
               <a:t>The call function example</a:t>
             </a:r>
-            <a:endParaRPr lang="he-IL" dirty="0">
-              <a:latin typeface="+mn-lt"/>
+            <a:endParaRPr lang="he-IL" b="1" dirty="0">
+              <a:latin typeface="Lexend Light"/>
             </a:endParaRPr>
           </a:p>
         </p:txBody>
@@ -11533,6 +12035,20 @@
 <file path=ppt/slides/slide6.xml><?xml version="1.0" encoding="utf-8"?>
 <p:sld xmlns:a="http://schemas.openxmlformats.org/drawingml/2006/main" xmlns:r="http://schemas.openxmlformats.org/officeDocument/2006/relationships" xmlns:p="http://schemas.openxmlformats.org/presentationml/2006/main">
   <p:cSld>
+    <p:bg>
+      <p:bgPr>
+        <a:blipFill dpi="0" rotWithShape="1">
+          <a:blip r:embed="rId2">
+            <a:lum/>
+          </a:blip>
+          <a:srcRect/>
+          <a:stretch>
+            <a:fillRect/>
+          </a:stretch>
+        </a:blipFill>
+        <a:effectLst/>
+      </p:bgPr>
+    </p:bg>
     <p:spTree>
       <p:nvGrpSpPr>
         <p:cNvPr id="1" name=""/>
@@ -11574,37 +12090,40 @@
           <a:lstStyle/>
           <a:p>
             <a:r>
-              <a:rPr lang="en-US" b="0" i="0" dirty="0">
-                <a:solidFill>
-                  <a:srgbClr val="000000"/>
-                </a:solidFill>
-                <a:effectLst/>
-                <a:latin typeface="+mn-lt"/>
+              <a:rPr lang="en-US" b="1" i="0" dirty="0">
+                <a:solidFill>
+                  <a:srgbClr val="0071F6"/>
+                </a:solidFill>
+                <a:effectLst/>
+                <a:latin typeface="Lexend" panose="020B0604020202020204"/>
               </a:rPr>
               <a:t>The </a:t>
             </a:r>
             <a:r>
-              <a:rPr lang="en-US" b="0" i="0" dirty="0" err="1">
-                <a:solidFill>
-                  <a:srgbClr val="000000"/>
-                </a:solidFill>
-                <a:effectLst/>
-                <a:latin typeface="+mn-lt"/>
+              <a:rPr lang="en-US" b="1" i="0" dirty="0" err="1">
+                <a:solidFill>
+                  <a:srgbClr val="0071F6"/>
+                </a:solidFill>
+                <a:effectLst/>
+                <a:latin typeface="Lexend" panose="020B0604020202020204"/>
               </a:rPr>
               <a:t>check_output</a:t>
             </a:r>
             <a:r>
-              <a:rPr lang="en-US" b="0" i="0" dirty="0">
-                <a:solidFill>
-                  <a:srgbClr val="000000"/>
-                </a:solidFill>
-                <a:effectLst/>
-                <a:latin typeface="+mn-lt"/>
+              <a:rPr lang="en-US" b="1" i="0" dirty="0">
+                <a:solidFill>
+                  <a:srgbClr val="0071F6"/>
+                </a:solidFill>
+                <a:effectLst/>
+                <a:latin typeface="Lexend" panose="020B0604020202020204"/>
               </a:rPr>
               <a:t> function</a:t>
             </a:r>
-            <a:endParaRPr lang="he-IL" dirty="0">
-              <a:latin typeface="+mn-lt"/>
+            <a:endParaRPr lang="he-IL" b="1" dirty="0">
+              <a:solidFill>
+                <a:srgbClr val="0071F6"/>
+              </a:solidFill>
+              <a:latin typeface="Lexend" panose="020B0604020202020204"/>
               <a:cs typeface="Calibri" panose="020F0502020204030204" pitchFamily="34" charset="0"/>
             </a:endParaRPr>
           </a:p>
@@ -11644,6 +12163,7 @@
                   <a:srgbClr val="000000"/>
                 </a:solidFill>
                 <a:effectLst/>
+                <a:latin typeface="Lexend Light"/>
               </a:rPr>
               <a:t>subprocess.check_output</a:t>
             </a:r>
@@ -11653,6 +12173,7 @@
                   <a:srgbClr val="000000"/>
                 </a:solidFill>
                 <a:effectLst/>
+                <a:latin typeface="Lexend Light"/>
               </a:rPr>
               <a:t>(</a:t>
             </a:r>
@@ -11662,6 +12183,7 @@
                   <a:srgbClr val="000000"/>
                 </a:solidFill>
                 <a:effectLst/>
+                <a:latin typeface="Lexend Light"/>
               </a:rPr>
               <a:t>args</a:t>
             </a:r>
@@ -11671,6 +12193,7 @@
                   <a:srgbClr val="000000"/>
                 </a:solidFill>
                 <a:effectLst/>
+                <a:latin typeface="Lexend Light"/>
               </a:rPr>
               <a:t>, stdin=None, stderr=None, shell =False, </a:t>
             </a:r>
@@ -11680,6 +12203,7 @@
                   <a:srgbClr val="000000"/>
                 </a:solidFill>
                 <a:effectLst/>
+                <a:latin typeface="Lexend Light"/>
               </a:rPr>
               <a:t>cwd</a:t>
             </a:r>
@@ -11689,6 +12213,7 @@
                   <a:srgbClr val="000000"/>
                 </a:solidFill>
                 <a:effectLst/>
+                <a:latin typeface="Lexend Light"/>
               </a:rPr>
               <a:t>=None, timeout=None) </a:t>
             </a:r>
@@ -11698,6 +12223,7 @@
               <a:solidFill>
                 <a:srgbClr val="000000"/>
               </a:solidFill>
+              <a:latin typeface="Lexend Light"/>
             </a:endParaRPr>
           </a:p>
           <a:p>
@@ -11707,6 +12233,7 @@
                   <a:srgbClr val="000000"/>
                 </a:solidFill>
                 <a:effectLst/>
+                <a:latin typeface="Lexend Light"/>
               </a:rPr>
               <a:t>Run command with arguments and return its output. </a:t>
             </a:r>
@@ -11716,6 +12243,7 @@
               <a:solidFill>
                 <a:srgbClr val="000000"/>
               </a:solidFill>
+              <a:latin typeface="Lexend Light"/>
             </a:endParaRPr>
           </a:p>
           <a:p>
@@ -11725,6 +12253,7 @@
                   <a:srgbClr val="000000"/>
                 </a:solidFill>
                 <a:effectLst/>
+                <a:latin typeface="Lexend Light"/>
               </a:rPr>
               <a:t>If the return code was non-zero it raises a </a:t>
             </a:r>
@@ -11734,6 +12263,7 @@
                   <a:srgbClr val="000000"/>
                 </a:solidFill>
                 <a:effectLst/>
+                <a:latin typeface="Lexend Light"/>
               </a:rPr>
               <a:t>CalledProcessError</a:t>
             </a:r>
@@ -11743,10 +12273,12 @@
                   <a:srgbClr val="000000"/>
                 </a:solidFill>
                 <a:effectLst/>
+                <a:latin typeface="Lexend Light"/>
               </a:rPr>
               <a:t>.</a:t>
             </a:r>
             <a:endParaRPr lang="he-IL" dirty="0">
+              <a:latin typeface="Lexend Light"/>
               <a:cs typeface="Calibri" panose="020F0502020204030204" pitchFamily="34" charset="0"/>
             </a:endParaRPr>
           </a:p>
@@ -11768,6 +12300,20 @@
 <file path=ppt/slides/slide7.xml><?xml version="1.0" encoding="utf-8"?>
 <p:sld xmlns:a="http://schemas.openxmlformats.org/drawingml/2006/main" xmlns:r="http://schemas.openxmlformats.org/officeDocument/2006/relationships" xmlns:p="http://schemas.openxmlformats.org/presentationml/2006/main">
   <p:cSld>
+    <p:bg>
+      <p:bgPr>
+        <a:blipFill dpi="0" rotWithShape="1">
+          <a:blip r:embed="rId3">
+            <a:lum/>
+          </a:blip>
+          <a:srcRect/>
+          <a:stretch>
+            <a:fillRect/>
+          </a:stretch>
+        </a:blipFill>
+        <a:effectLst/>
+      </p:bgPr>
+    </p:bg>
     <p:spTree>
       <p:nvGrpSpPr>
         <p:cNvPr id="1" name=""/>
@@ -11800,37 +12346,37 @@
           <a:lstStyle/>
           <a:p>
             <a:r>
-              <a:rPr lang="en-US" b="0" i="0" dirty="0">
+              <a:rPr lang="en-US" b="1" i="0" dirty="0">
                 <a:solidFill>
                   <a:srgbClr val="000000"/>
                 </a:solidFill>
                 <a:effectLst/>
-                <a:latin typeface="+mn-lt"/>
+                <a:latin typeface="Lexend Light"/>
               </a:rPr>
               <a:t>The </a:t>
             </a:r>
             <a:r>
-              <a:rPr lang="en-US" b="0" i="0" dirty="0" err="1">
+              <a:rPr lang="en-US" b="1" i="0" dirty="0" err="1">
                 <a:solidFill>
                   <a:srgbClr val="000000"/>
                 </a:solidFill>
                 <a:effectLst/>
-                <a:latin typeface="+mn-lt"/>
+                <a:latin typeface="Lexend Light"/>
               </a:rPr>
               <a:t>check_output</a:t>
             </a:r>
             <a:r>
-              <a:rPr lang="en-US" b="0" i="0" dirty="0">
+              <a:rPr lang="en-US" b="1" i="0" dirty="0">
                 <a:solidFill>
                   <a:srgbClr val="000000"/>
                 </a:solidFill>
                 <a:effectLst/>
-                <a:latin typeface="+mn-lt"/>
+                <a:latin typeface="Lexend Light"/>
               </a:rPr>
               <a:t> function example</a:t>
             </a:r>
-            <a:endParaRPr lang="en-US" dirty="0">
-              <a:latin typeface="+mn-lt"/>
+            <a:endParaRPr lang="en-US" b="1" dirty="0">
+              <a:latin typeface="Lexend Light"/>
             </a:endParaRPr>
           </a:p>
         </p:txBody>
@@ -12594,6 +13140,20 @@
 <file path=ppt/slides/slide8.xml><?xml version="1.0" encoding="utf-8"?>
 <p:sld xmlns:a="http://schemas.openxmlformats.org/drawingml/2006/main" xmlns:r="http://schemas.openxmlformats.org/officeDocument/2006/relationships" xmlns:p="http://schemas.openxmlformats.org/presentationml/2006/main">
   <p:cSld>
+    <p:bg>
+      <p:bgPr>
+        <a:blipFill dpi="0" rotWithShape="1">
+          <a:blip r:embed="rId2">
+            <a:lum/>
+          </a:blip>
+          <a:srcRect/>
+          <a:stretch>
+            <a:fillRect/>
+          </a:stretch>
+        </a:blipFill>
+        <a:effectLst/>
+      </p:bgPr>
+    </p:bg>
     <p:spTree>
       <p:nvGrpSpPr>
         <p:cNvPr id="1" name=""/>
@@ -12624,10 +13184,14 @@
           <a:lstStyle/>
           <a:p>
             <a:r>
-              <a:rPr lang="en-US"/>
+              <a:rPr lang="en-US" b="1" dirty="0">
+                <a:latin typeface="Lexend Light"/>
+              </a:rPr>
               <a:t>Lab 01</a:t>
             </a:r>
-            <a:endParaRPr lang="he-IL"/>
+            <a:endParaRPr lang="he-IL" b="1" dirty="0">
+              <a:latin typeface="Lexend Light"/>
+            </a:endParaRPr>
           </a:p>
         </p:txBody>
       </p:sp>
@@ -12647,6 +13211,20 @@
 <file path=ppt/slides/slide9.xml><?xml version="1.0" encoding="utf-8"?>
 <p:sld xmlns:a="http://schemas.openxmlformats.org/drawingml/2006/main" xmlns:r="http://schemas.openxmlformats.org/officeDocument/2006/relationships" xmlns:p="http://schemas.openxmlformats.org/presentationml/2006/main">
   <p:cSld>
+    <p:bg>
+      <p:bgPr>
+        <a:blipFill dpi="0" rotWithShape="1">
+          <a:blip r:embed="rId3">
+            <a:lum/>
+          </a:blip>
+          <a:srcRect/>
+          <a:stretch>
+            <a:fillRect/>
+          </a:stretch>
+        </a:blipFill>
+        <a:effectLst/>
+      </p:bgPr>
+    </p:bg>
     <p:spTree>
       <p:nvGrpSpPr>
         <p:cNvPr id="1" name=""/>
@@ -12684,32 +13262,25 @@
           <a:lstStyle/>
           <a:p>
             <a:r>
-              <a:rPr lang="en-US" b="0" i="0" dirty="0" err="1">
-                <a:solidFill>
-                  <a:srgbClr val="000000"/>
-                </a:solidFill>
-                <a:effectLst/>
-                <a:latin typeface="+mn-lt"/>
+              <a:rPr lang="en-US" b="1" i="0" dirty="0" err="1">
+                <a:solidFill>
+                  <a:srgbClr val="0071F6"/>
+                </a:solidFill>
+                <a:effectLst/>
+                <a:latin typeface="Lexend" panose="020B0604020202020204"/>
               </a:rPr>
               <a:t>Popen</a:t>
             </a:r>
             <a:r>
-              <a:rPr lang="en-US" b="0" i="0" dirty="0">
-                <a:solidFill>
-                  <a:srgbClr val="000000"/>
-                </a:solidFill>
-                <a:effectLst/>
-                <a:latin typeface="+mn-lt"/>
+              <a:rPr lang="en-US" b="1" i="0" dirty="0">
+                <a:solidFill>
+                  <a:srgbClr val="0071F6"/>
+                </a:solidFill>
+                <a:effectLst/>
+                <a:latin typeface="Lexend" panose="020B0604020202020204"/>
               </a:rPr>
               <a:t> class</a:t>
             </a:r>
-            <a:endParaRPr lang="en-US" i="0" dirty="0">
-              <a:solidFill>
-                <a:srgbClr val="242424"/>
-              </a:solidFill>
-              <a:effectLst/>
-              <a:latin typeface="+mn-lt"/>
-            </a:endParaRPr>
           </a:p>
         </p:txBody>
       </p:sp>
@@ -12736,6 +13307,7 @@
                   <a:srgbClr val="000000"/>
                 </a:solidFill>
                 <a:effectLst/>
+                <a:latin typeface="Lexend Light"/>
               </a:rPr>
               <a:t>The </a:t>
             </a:r>
@@ -12745,6 +13317,7 @@
                   <a:srgbClr val="000000"/>
                 </a:solidFill>
                 <a:effectLst/>
+                <a:latin typeface="Lexend Light"/>
               </a:rPr>
               <a:t>Popen</a:t>
             </a:r>
@@ -12754,6 +13327,7 @@
                   <a:srgbClr val="000000"/>
                 </a:solidFill>
                 <a:effectLst/>
+                <a:latin typeface="Lexend Light"/>
               </a:rPr>
               <a:t> class offers a lot of flexibility to handle the common and the less common cases not covered by the convenience functions. </a:t>
             </a:r>
@@ -12763,6 +13337,7 @@
               <a:solidFill>
                 <a:srgbClr val="000000"/>
               </a:solidFill>
+              <a:latin typeface="Lexend Light"/>
             </a:endParaRPr>
           </a:p>
           <a:p>
@@ -12772,6 +13347,7 @@
                   <a:srgbClr val="000000"/>
                 </a:solidFill>
                 <a:effectLst/>
+                <a:latin typeface="Lexend Light"/>
               </a:rPr>
               <a:t>To support a wide variety of use cases, the </a:t>
             </a:r>
@@ -12781,6 +13357,7 @@
                   <a:srgbClr val="000000"/>
                 </a:solidFill>
                 <a:effectLst/>
+                <a:latin typeface="Lexend Light"/>
               </a:rPr>
               <a:t>Popen</a:t>
             </a:r>
@@ -12790,6 +13367,7 @@
                   <a:srgbClr val="000000"/>
                 </a:solidFill>
                 <a:effectLst/>
+                <a:latin typeface="Lexend Light"/>
               </a:rPr>
               <a:t> accept a large number of optional arguments (in most cases, most of the arguments can stay with their default value) </a:t>
             </a:r>
@@ -12799,6 +13377,7 @@
               <a:solidFill>
                 <a:srgbClr val="000000"/>
               </a:solidFill>
+              <a:latin typeface="Lexend Light"/>
             </a:endParaRPr>
           </a:p>
           <a:p>
@@ -12808,6 +13387,7 @@
                   <a:srgbClr val="000000"/>
                 </a:solidFill>
                 <a:effectLst/>
+                <a:latin typeface="Lexend Light"/>
               </a:rPr>
               <a:t>Popen</a:t>
             </a:r>
@@ -12817,6 +13397,7 @@
                   <a:srgbClr val="000000"/>
                 </a:solidFill>
                 <a:effectLst/>
+                <a:latin typeface="Lexend Light"/>
               </a:rPr>
               <a:t> </a:t>
             </a:r>
@@ -12826,6 +13407,7 @@
                   <a:srgbClr val="000000"/>
                 </a:solidFill>
                 <a:effectLst/>
+                <a:latin typeface="Lexend Light"/>
               </a:rPr>
               <a:t>doen’t</a:t>
             </a:r>
@@ -12835,10 +13417,12 @@
                   <a:srgbClr val="000000"/>
                 </a:solidFill>
                 <a:effectLst/>
+                <a:latin typeface="Lexend Light"/>
               </a:rPr>
               <a:t> block the calling function</a:t>
             </a:r>
             <a:endParaRPr lang="en-US" sz="3200" dirty="0">
+              <a:latin typeface="Lexend Light"/>
               <a:cs typeface="Calibri" panose="020F0502020204030204" pitchFamily="34" charset="0"/>
             </a:endParaRPr>
           </a:p>
